--- a/meeting_docs/0302进度会议/进度会议PPT.pptx
+++ b/meeting_docs/0302进度会议/进度会议PPT.pptx
@@ -211,7 +211,7 @@
           <a:p>
             <a:fld id="{68E75791-964B-4C63-BFCE-0ED49BE326E8}" type="datetimeFigureOut">
               <a:rPr lang="zh-CN" altLang="en-US" smtClean="0"/>
-              <a:t>2023/2/26</a:t>
+              <a:t>2023/3/2</a:t>
             </a:fld>
             <a:endParaRPr lang="zh-CN" altLang="en-US"/>
           </a:p>
@@ -918,7 +918,7 @@
           <a:p>
             <a:fld id="{34C042E6-B216-4592-8AF3-2B42AC14DDDB}" type="datetimeFigureOut">
               <a:rPr lang="zh-CN" altLang="en-US" smtClean="0"/>
-              <a:t>2023/2/26</a:t>
+              <a:t>2023/3/2</a:t>
             </a:fld>
             <a:endParaRPr lang="zh-CN" altLang="en-US"/>
           </a:p>
@@ -1116,7 +1116,7 @@
           <a:p>
             <a:fld id="{34C042E6-B216-4592-8AF3-2B42AC14DDDB}" type="datetimeFigureOut">
               <a:rPr lang="zh-CN" altLang="en-US" smtClean="0"/>
-              <a:t>2023/2/26</a:t>
+              <a:t>2023/3/2</a:t>
             </a:fld>
             <a:endParaRPr lang="zh-CN" altLang="en-US"/>
           </a:p>
@@ -1324,7 +1324,7 @@
           <a:p>
             <a:fld id="{34C042E6-B216-4592-8AF3-2B42AC14DDDB}" type="datetimeFigureOut">
               <a:rPr lang="zh-CN" altLang="en-US" smtClean="0"/>
-              <a:t>2023/2/26</a:t>
+              <a:t>2023/3/2</a:t>
             </a:fld>
             <a:endParaRPr lang="zh-CN" altLang="en-US"/>
           </a:p>
@@ -3352,7 +3352,7 @@
           <a:p>
             <a:fld id="{34C042E6-B216-4592-8AF3-2B42AC14DDDB}" type="datetimeFigureOut">
               <a:rPr lang="zh-CN" altLang="en-US" smtClean="0"/>
-              <a:t>2023/2/26</a:t>
+              <a:t>2023/3/2</a:t>
             </a:fld>
             <a:endParaRPr lang="zh-CN" altLang="en-US"/>
           </a:p>
@@ -3627,7 +3627,7 @@
           <a:p>
             <a:fld id="{34C042E6-B216-4592-8AF3-2B42AC14DDDB}" type="datetimeFigureOut">
               <a:rPr lang="zh-CN" altLang="en-US" smtClean="0"/>
-              <a:t>2023/2/26</a:t>
+              <a:t>2023/3/2</a:t>
             </a:fld>
             <a:endParaRPr lang="zh-CN" altLang="en-US"/>
           </a:p>
@@ -3892,7 +3892,7 @@
           <a:p>
             <a:fld id="{34C042E6-B216-4592-8AF3-2B42AC14DDDB}" type="datetimeFigureOut">
               <a:rPr lang="zh-CN" altLang="en-US" smtClean="0"/>
-              <a:t>2023/2/26</a:t>
+              <a:t>2023/3/2</a:t>
             </a:fld>
             <a:endParaRPr lang="zh-CN" altLang="en-US"/>
           </a:p>
@@ -4304,7 +4304,7 @@
           <a:p>
             <a:fld id="{34C042E6-B216-4592-8AF3-2B42AC14DDDB}" type="datetimeFigureOut">
               <a:rPr lang="zh-CN" altLang="en-US" smtClean="0"/>
-              <a:t>2023/2/26</a:t>
+              <a:t>2023/3/2</a:t>
             </a:fld>
             <a:endParaRPr lang="zh-CN" altLang="en-US"/>
           </a:p>
@@ -4445,7 +4445,7 @@
           <a:p>
             <a:fld id="{34C042E6-B216-4592-8AF3-2B42AC14DDDB}" type="datetimeFigureOut">
               <a:rPr lang="zh-CN" altLang="en-US" smtClean="0"/>
-              <a:t>2023/2/26</a:t>
+              <a:t>2023/3/2</a:t>
             </a:fld>
             <a:endParaRPr lang="zh-CN" altLang="en-US"/>
           </a:p>
@@ -4558,7 +4558,7 @@
           <a:p>
             <a:fld id="{34C042E6-B216-4592-8AF3-2B42AC14DDDB}" type="datetimeFigureOut">
               <a:rPr lang="zh-CN" altLang="en-US" smtClean="0"/>
-              <a:t>2023/2/26</a:t>
+              <a:t>2023/3/2</a:t>
             </a:fld>
             <a:endParaRPr lang="zh-CN" altLang="en-US"/>
           </a:p>
@@ -4869,7 +4869,7 @@
           <a:p>
             <a:fld id="{34C042E6-B216-4592-8AF3-2B42AC14DDDB}" type="datetimeFigureOut">
               <a:rPr lang="zh-CN" altLang="en-US" smtClean="0"/>
-              <a:t>2023/2/26</a:t>
+              <a:t>2023/3/2</a:t>
             </a:fld>
             <a:endParaRPr lang="zh-CN" altLang="en-US"/>
           </a:p>
@@ -5157,7 +5157,7 @@
           <a:p>
             <a:fld id="{34C042E6-B216-4592-8AF3-2B42AC14DDDB}" type="datetimeFigureOut">
               <a:rPr lang="zh-CN" altLang="en-US" smtClean="0"/>
-              <a:t>2023/2/26</a:t>
+              <a:t>2023/3/2</a:t>
             </a:fld>
             <a:endParaRPr lang="zh-CN" altLang="en-US"/>
           </a:p>
@@ -5398,7 +5398,7 @@
           <a:p>
             <a:fld id="{34C042E6-B216-4592-8AF3-2B42AC14DDDB}" type="datetimeFigureOut">
               <a:rPr lang="zh-CN" altLang="en-US" smtClean="0"/>
-              <a:t>2023/2/26</a:t>
+              <a:t>2023/3/2</a:t>
             </a:fld>
             <a:endParaRPr lang="zh-CN" altLang="en-US"/>
           </a:p>
@@ -7148,8 +7148,8 @@
           </a:p>
         </p:txBody>
       </p:sp>
-      <mc:AlternateContent xmlns:mc="http://schemas.openxmlformats.org/markup-compatibility/2006">
-        <mc:Choice xmlns:a14="http://schemas.microsoft.com/office/drawing/2010/main" Requires="a14">
+      <mc:AlternateContent xmlns:mc="http://schemas.openxmlformats.org/markup-compatibility/2006" xmlns:a14="http://schemas.microsoft.com/office/drawing/2010/main">
+        <mc:Choice Requires="a14">
           <p:sp>
             <p:nvSpPr>
               <p:cNvPr id="9" name="内容占位符 2">
@@ -7231,14 +7231,7 @@
                       <a:rPr kumimoji="1" lang="en-US" altLang="zh-CN" sz="2400" i="1">
                         <a:latin typeface="Cambria Math" panose="02040503050406030204" pitchFamily="18" charset="0"/>
                       </a:rPr>
-                      <m:t>+5</m:t>
-                    </m:r>
-                    <m:r>
-                      <a:rPr kumimoji="1" lang="en-US" altLang="zh-CN" sz="2400" i="1">
-                        <a:latin typeface="Cambria Math" panose="02040503050406030204" pitchFamily="18" charset="0"/>
-                        <a:ea typeface="Cambria Math" panose="02040503050406030204" pitchFamily="18" charset="0"/>
-                      </a:rPr>
-                      <m:t>=35</m:t>
+                      <m:t>+5=35</m:t>
                     </m:r>
                   </m:oMath>
                 </a14:m>
@@ -7258,7 +7251,7 @@
             </p:txBody>
           </p:sp>
         </mc:Choice>
-        <mc:Fallback>
+        <mc:Fallback xmlns="">
           <p:sp>
             <p:nvSpPr>
               <p:cNvPr id="9" name="内容占位符 2">
@@ -8935,7 +8928,7 @@
         <p:spPr/>
         <p:txBody>
           <a:bodyPr>
-            <a:normAutofit fontScale="92500" lnSpcReduction="20000"/>
+            <a:normAutofit fontScale="77500" lnSpcReduction="20000"/>
           </a:bodyPr>
           <a:lstStyle/>
           <a:p>
@@ -8952,7 +8945,7 @@
             </a:r>
             <a:r>
               <a:rPr kumimoji="1" lang="zh-CN" altLang="en-US" sz="2880" dirty="0"/>
-              <a:t> 是几个有公用节点的算式树的集合</a:t>
+              <a:t> 是几个有公用节点的算式树的集合所构成的有向无环图</a:t>
             </a:r>
             <a:endParaRPr kumimoji="1" lang="en-US" altLang="zh-CN" sz="2880" dirty="0"/>
           </a:p>
@@ -9007,7 +9000,7 @@
             </a:pPr>
             <a:r>
               <a:rPr kumimoji="1" lang="zh-CN" altLang="en-US" sz="2400" dirty="0"/>
-              <a:t>先将公用节点提取出来化作约束</a:t>
+              <a:t>先将公用节点提取出来与非公用的部分区分开</a:t>
             </a:r>
             <a:r>
               <a:rPr kumimoji="1" lang="en-US" altLang="zh-CN" sz="2400" dirty="0"/>
@@ -9015,7 +9008,7 @@
             </a:r>
             <a:r>
               <a:rPr kumimoji="1" lang="zh-CN" altLang="en-US" sz="2400" dirty="0"/>
-              <a:t>将语法树退化至普通的算式树</a:t>
+              <a:t>退化至普通的算式树</a:t>
             </a:r>
             <a:endParaRPr kumimoji="1" lang="en-US" altLang="zh-CN" sz="2400" dirty="0"/>
           </a:p>
@@ -10170,7 +10163,7 @@
                     <a:p>
                       <a:pPr algn="ctr"/>
                       <a:r>
-                        <a:rPr kumimoji="1" lang="en-US" sz="1700" b="0" i="0" kern="1200">
+                        <a:rPr kumimoji="1" lang="en-US" sz="1700" b="0" i="0" kern="1200" dirty="0">
                           <a:solidFill>
                             <a:schemeClr val="tx1">
                               <a:lumMod val="75000"/>
@@ -10183,7 +10176,7 @@
                         </a:rPr>
                         <a:t>2023.2.26</a:t>
                       </a:r>
-                      <a:endParaRPr kumimoji="1" lang="zh-CN" altLang="en-US" sz="1700" b="0" i="0" kern="1200">
+                      <a:endParaRPr kumimoji="1" lang="zh-CN" altLang="en-US" sz="1700" b="0" i="0" kern="1200" dirty="0">
                         <a:solidFill>
                           <a:schemeClr val="tx1">
                             <a:lumMod val="75000"/>
@@ -10788,7 +10781,7 @@
         <p:spPr/>
         <p:txBody>
           <a:bodyPr>
-            <a:normAutofit fontScale="85000" lnSpcReduction="20000"/>
+            <a:normAutofit fontScale="77500" lnSpcReduction="20000"/>
           </a:bodyPr>
           <a:lstStyle/>
           <a:p>
@@ -10891,6 +10884,19 @@
             <a:pPr marL="548640" lvl="1" indent="0">
               <a:buNone/>
             </a:pPr>
+            <a:r>
+              <a:rPr lang="en-US" altLang="zh-CN" sz="3120" dirty="0">
+                <a:latin typeface="+mn-ea"/>
+              </a:rPr>
+              <a:t>	3a - 2a = 0 </a:t>
+            </a:r>
+            <a:r>
+              <a:rPr lang="en-US" altLang="zh-CN" sz="3120" dirty="0">
+                <a:latin typeface="+mn-ea"/>
+                <a:sym typeface="Wingdings" panose="05000000000000000000" pitchFamily="2" charset="2"/>
+              </a:rPr>
+              <a:t> a = 0</a:t>
+            </a:r>
             <a:endParaRPr lang="en-US" altLang="zh-CN" sz="3120" dirty="0">
               <a:latin typeface="+mn-ea"/>
             </a:endParaRPr>
@@ -10922,6 +10928,27 @@
                 <a:latin typeface="+mn-ea"/>
               </a:rPr>
               <a:t>在约束间进行化简和合并</a:t>
+            </a:r>
+            <a:endParaRPr lang="en-US" altLang="zh-CN" sz="3120" dirty="0">
+              <a:latin typeface="+mn-ea"/>
+            </a:endParaRPr>
+          </a:p>
+          <a:p>
+            <a:pPr marL="548640" lvl="1" indent="0">
+              <a:buNone/>
+            </a:pPr>
+            <a:r>
+              <a:rPr lang="en-US" altLang="zh-CN" sz="3120" dirty="0">
+                <a:latin typeface="+mn-ea"/>
+              </a:rPr>
+              <a:t>	a * b = c, c + d = e </a:t>
+            </a:r>
+            <a:r>
+              <a:rPr lang="en-US" altLang="zh-CN" sz="3120" dirty="0">
+                <a:latin typeface="+mn-ea"/>
+                <a:sym typeface="Wingdings" panose="05000000000000000000" pitchFamily="2" charset="2"/>
+              </a:rPr>
+              <a:t> a * b + d = e</a:t>
             </a:r>
             <a:endParaRPr lang="en-US" altLang="zh-CN" sz="3120" dirty="0">
               <a:latin typeface="+mn-ea"/>
@@ -11138,14 +11165,6 @@
             <a:pPr lvl="2"/>
             <a:r>
               <a:rPr kumimoji="1" lang="zh-CN" altLang="en-US" sz="2000" dirty="0"/>
-              <a:t>结合律的分解</a:t>
-            </a:r>
-            <a:endParaRPr kumimoji="1" lang="en-US" altLang="zh-CN" sz="2000" dirty="0"/>
-          </a:p>
-          <a:p>
-            <a:pPr lvl="2"/>
-            <a:r>
-              <a:rPr kumimoji="1" lang="zh-CN" altLang="en-US" sz="2000" dirty="0"/>
               <a:t>第一次循环中化简的不到位</a:t>
             </a:r>
             <a:endParaRPr kumimoji="1" lang="en-US" altLang="zh-CN" sz="1560" dirty="0"/>
@@ -11159,23 +11178,17 @@
             <a:endParaRPr kumimoji="1" lang="en-US" altLang="zh-CN" sz="2040" dirty="0"/>
           </a:p>
           <a:p>
-            <a:pPr marL="548640" lvl="1" indent="0">
-              <a:buNone/>
-            </a:pPr>
-            <a:r>
-              <a:rPr kumimoji="1" lang="en-US" altLang="zh-CN" sz="2040" dirty="0"/>
-              <a:t>	</a:t>
-            </a:r>
-            <a:r>
-              <a:rPr kumimoji="1" lang="zh-CN" altLang="en-US" sz="2040" dirty="0"/>
+            <a:pPr lvl="2"/>
+            <a:r>
+              <a:rPr kumimoji="1" lang="zh-CN" altLang="en-US" sz="2000" dirty="0"/>
               <a:t>例</a:t>
             </a:r>
             <a:r>
-              <a:rPr kumimoji="1" lang="en-US" altLang="zh-CN" sz="2040" dirty="0"/>
+              <a:rPr kumimoji="1" lang="en-US" altLang="zh-CN" sz="2000" dirty="0"/>
               <a:t>: a * b ==&gt; c, d * e </a:t>
             </a:r>
             <a:r>
-              <a:rPr kumimoji="1" lang="en-US" altLang="zh-CN" sz="2040" dirty="0">
+              <a:rPr kumimoji="1" lang="en-US" altLang="zh-CN" sz="2000" dirty="0">
                 <a:sym typeface="Wingdings" panose="05000000000000000000" pitchFamily="2" charset="2"/>
               </a:rPr>
               <a:t>==&gt; f, c + f ==&gt; g</a:t>
@@ -11263,7 +11276,7 @@
             </a:r>
             <a:r>
               <a:rPr kumimoji="1" lang="zh-CN" altLang="en-US" sz="2000" dirty="0"/>
-              <a:t>需要对月数组中的变量和约束提出一种排序方式</a:t>
+              <a:t>需要对约束组中的变量和约束提出一种排序方式</a:t>
             </a:r>
             <a:endParaRPr kumimoji="1" lang="en-US" altLang="zh-CN" sz="2000" dirty="0"/>
           </a:p>
@@ -11553,35 +11566,16 @@
           </a:p>
           <a:p>
             <a:r>
-              <a:rPr kumimoji="1" lang="zh-CN" altLang="en-US" sz="2400" dirty="0"/>
+              <a:rPr kumimoji="1" lang="zh-CN" altLang="en-US" sz="2160" dirty="0"/>
               <a:t>第二次尝试</a:t>
             </a:r>
             <a:r>
-              <a:rPr kumimoji="1" lang="en-US" altLang="zh-CN" sz="2400" dirty="0"/>
+              <a:rPr kumimoji="1" lang="en-US" altLang="zh-CN" sz="2160" dirty="0"/>
               <a:t>: </a:t>
             </a:r>
             <a:r>
-              <a:rPr kumimoji="1" lang="zh-CN" altLang="en-US" sz="2400" dirty="0"/>
+              <a:rPr kumimoji="1" lang="zh-CN" altLang="en-US" sz="2160" dirty="0"/>
               <a:t>使用一种</a:t>
-            </a:r>
-            <a:r>
-              <a:rPr kumimoji="1" lang="en-US" altLang="zh-CN" sz="2400" dirty="0"/>
-              <a:t>node</a:t>
-            </a:r>
-          </a:p>
-          <a:p>
-            <a:pPr lvl="1"/>
-            <a:r>
-              <a:rPr kumimoji="1" lang="zh-CN" altLang="en-US" sz="2160" dirty="0"/>
-              <a:t>使用</a:t>
-            </a:r>
-            <a:r>
-              <a:rPr kumimoji="1" lang="en-US" altLang="zh-CN" sz="2160" dirty="0"/>
-              <a:t>node id</a:t>
-            </a:r>
-            <a:r>
-              <a:rPr kumimoji="1" lang="zh-CN" altLang="en-US" sz="2160" dirty="0"/>
-              <a:t>标识</a:t>
             </a:r>
             <a:r>
               <a:rPr kumimoji="1" lang="en-US" altLang="zh-CN" sz="2160" dirty="0"/>
@@ -11591,28 +11585,43 @@
           <a:p>
             <a:pPr lvl="1"/>
             <a:r>
-              <a:rPr kumimoji="1" lang="en-US" altLang="zh-CN" sz="2160" dirty="0"/>
+              <a:rPr kumimoji="1" lang="zh-CN" altLang="en-US" sz="1920" dirty="0"/>
+              <a:t>使用</a:t>
+            </a:r>
+            <a:r>
+              <a:rPr kumimoji="1" lang="en-US" altLang="zh-CN" sz="1920" dirty="0"/>
+              <a:t>node id</a:t>
+            </a:r>
+            <a:r>
+              <a:rPr kumimoji="1" lang="zh-CN" altLang="en-US" sz="1920" dirty="0"/>
+              <a:t>标识</a:t>
+            </a:r>
+            <a:r>
+              <a:rPr kumimoji="1" lang="en-US" altLang="zh-CN" sz="1920" dirty="0"/>
+              <a:t>node</a:t>
+            </a:r>
+          </a:p>
+          <a:p>
+            <a:pPr lvl="1"/>
+            <a:r>
+              <a:rPr kumimoji="1" lang="en-US" altLang="zh-CN" sz="1920" dirty="0"/>
               <a:t>Node</a:t>
             </a:r>
             <a:r>
-              <a:rPr kumimoji="1" lang="zh-CN" altLang="en-US" sz="2160" dirty="0"/>
+              <a:rPr kumimoji="1" lang="zh-CN" altLang="en-US" sz="1920" dirty="0"/>
               <a:t>中包含运算符信息</a:t>
             </a:r>
-            <a:endParaRPr kumimoji="1" lang="en-US" altLang="zh-CN" sz="2160" dirty="0"/>
+            <a:endParaRPr kumimoji="1" lang="en-US" altLang="zh-CN" sz="1920" dirty="0"/>
           </a:p>
           <a:p>
             <a:pPr marL="548640" lvl="1" indent="0">
               <a:buNone/>
             </a:pPr>
             <a:r>
-              <a:rPr kumimoji="1" lang="zh-CN" altLang="en-US" sz="2160" dirty="0"/>
+              <a:rPr kumimoji="1" lang="zh-CN" altLang="en-US" sz="1920" dirty="0"/>
               <a:t>    以便查看其生成方式</a:t>
             </a:r>
-            <a:endParaRPr kumimoji="1" lang="en-US" altLang="zh-CN" sz="2160" dirty="0"/>
-          </a:p>
-          <a:p>
-            <a:pPr lvl="1"/>
-            <a:endParaRPr kumimoji="1" lang="en-US" altLang="zh-CN" sz="2160" dirty="0"/>
+            <a:endParaRPr kumimoji="1" lang="en-US" altLang="zh-CN" sz="1920" dirty="0"/>
           </a:p>
         </p:txBody>
       </p:sp>

--- a/meeting_docs/0302进度会议/进度会议PPT.pptx
+++ b/meeting_docs/0302进度会议/进度会议PPT.pptx
@@ -7,7 +7,7 @@
     <p:sldMasterId id="2147483664" r:id="rId3"/>
   </p:sldMasterIdLst>
   <p:notesMasterIdLst>
-    <p:notesMasterId r:id="rId17"/>
+    <p:notesMasterId r:id="rId20"/>
   </p:notesMasterIdLst>
   <p:sldIdLst>
     <p:sldId id="2345" r:id="rId4"/>
@@ -20,9 +20,12 @@
     <p:sldId id="2621" r:id="rId11"/>
     <p:sldId id="2615" r:id="rId12"/>
     <p:sldId id="2622" r:id="rId13"/>
-    <p:sldId id="2623" r:id="rId14"/>
-    <p:sldId id="2624" r:id="rId15"/>
-    <p:sldId id="2625" r:id="rId16"/>
+    <p:sldId id="2626" r:id="rId14"/>
+    <p:sldId id="2627" r:id="rId15"/>
+    <p:sldId id="2628" r:id="rId16"/>
+    <p:sldId id="2623" r:id="rId17"/>
+    <p:sldId id="2624" r:id="rId18"/>
+    <p:sldId id="2625" r:id="rId19"/>
   </p:sldIdLst>
   <p:sldSz cx="12192000" cy="6858000"/>
   <p:notesSz cx="6858000" cy="9144000"/>
@@ -211,7 +214,7 @@
           <a:p>
             <a:fld id="{68E75791-964B-4C63-BFCE-0ED49BE326E8}" type="datetimeFigureOut">
               <a:rPr lang="zh-CN" altLang="en-US" smtClean="0"/>
-              <a:t>2023/3/2</a:t>
+              <a:t>2023/3/14</a:t>
             </a:fld>
             <a:endParaRPr lang="zh-CN" altLang="en-US"/>
           </a:p>
@@ -918,7 +921,7 @@
           <a:p>
             <a:fld id="{34C042E6-B216-4592-8AF3-2B42AC14DDDB}" type="datetimeFigureOut">
               <a:rPr lang="zh-CN" altLang="en-US" smtClean="0"/>
-              <a:t>2023/3/2</a:t>
+              <a:t>2023/3/14</a:t>
             </a:fld>
             <a:endParaRPr lang="zh-CN" altLang="en-US"/>
           </a:p>
@@ -1116,7 +1119,7 @@
           <a:p>
             <a:fld id="{34C042E6-B216-4592-8AF3-2B42AC14DDDB}" type="datetimeFigureOut">
               <a:rPr lang="zh-CN" altLang="en-US" smtClean="0"/>
-              <a:t>2023/3/2</a:t>
+              <a:t>2023/3/14</a:t>
             </a:fld>
             <a:endParaRPr lang="zh-CN" altLang="en-US"/>
           </a:p>
@@ -1324,7 +1327,7 @@
           <a:p>
             <a:fld id="{34C042E6-B216-4592-8AF3-2B42AC14DDDB}" type="datetimeFigureOut">
               <a:rPr lang="zh-CN" altLang="en-US" smtClean="0"/>
-              <a:t>2023/3/2</a:t>
+              <a:t>2023/3/14</a:t>
             </a:fld>
             <a:endParaRPr lang="zh-CN" altLang="en-US"/>
           </a:p>
@@ -3352,7 +3355,7 @@
           <a:p>
             <a:fld id="{34C042E6-B216-4592-8AF3-2B42AC14DDDB}" type="datetimeFigureOut">
               <a:rPr lang="zh-CN" altLang="en-US" smtClean="0"/>
-              <a:t>2023/3/2</a:t>
+              <a:t>2023/3/14</a:t>
             </a:fld>
             <a:endParaRPr lang="zh-CN" altLang="en-US"/>
           </a:p>
@@ -3627,7 +3630,7 @@
           <a:p>
             <a:fld id="{34C042E6-B216-4592-8AF3-2B42AC14DDDB}" type="datetimeFigureOut">
               <a:rPr lang="zh-CN" altLang="en-US" smtClean="0"/>
-              <a:t>2023/3/2</a:t>
+              <a:t>2023/3/14</a:t>
             </a:fld>
             <a:endParaRPr lang="zh-CN" altLang="en-US"/>
           </a:p>
@@ -3892,7 +3895,7 @@
           <a:p>
             <a:fld id="{34C042E6-B216-4592-8AF3-2B42AC14DDDB}" type="datetimeFigureOut">
               <a:rPr lang="zh-CN" altLang="en-US" smtClean="0"/>
-              <a:t>2023/3/2</a:t>
+              <a:t>2023/3/14</a:t>
             </a:fld>
             <a:endParaRPr lang="zh-CN" altLang="en-US"/>
           </a:p>
@@ -4304,7 +4307,7 @@
           <a:p>
             <a:fld id="{34C042E6-B216-4592-8AF3-2B42AC14DDDB}" type="datetimeFigureOut">
               <a:rPr lang="zh-CN" altLang="en-US" smtClean="0"/>
-              <a:t>2023/3/2</a:t>
+              <a:t>2023/3/14</a:t>
             </a:fld>
             <a:endParaRPr lang="zh-CN" altLang="en-US"/>
           </a:p>
@@ -4445,7 +4448,7 @@
           <a:p>
             <a:fld id="{34C042E6-B216-4592-8AF3-2B42AC14DDDB}" type="datetimeFigureOut">
               <a:rPr lang="zh-CN" altLang="en-US" smtClean="0"/>
-              <a:t>2023/3/2</a:t>
+              <a:t>2023/3/14</a:t>
             </a:fld>
             <a:endParaRPr lang="zh-CN" altLang="en-US"/>
           </a:p>
@@ -4558,7 +4561,7 @@
           <a:p>
             <a:fld id="{34C042E6-B216-4592-8AF3-2B42AC14DDDB}" type="datetimeFigureOut">
               <a:rPr lang="zh-CN" altLang="en-US" smtClean="0"/>
-              <a:t>2023/3/2</a:t>
+              <a:t>2023/3/14</a:t>
             </a:fld>
             <a:endParaRPr lang="zh-CN" altLang="en-US"/>
           </a:p>
@@ -4869,7 +4872,7 @@
           <a:p>
             <a:fld id="{34C042E6-B216-4592-8AF3-2B42AC14DDDB}" type="datetimeFigureOut">
               <a:rPr lang="zh-CN" altLang="en-US" smtClean="0"/>
-              <a:t>2023/3/2</a:t>
+              <a:t>2023/3/14</a:t>
             </a:fld>
             <a:endParaRPr lang="zh-CN" altLang="en-US"/>
           </a:p>
@@ -5157,7 +5160,7 @@
           <a:p>
             <a:fld id="{34C042E6-B216-4592-8AF3-2B42AC14DDDB}" type="datetimeFigureOut">
               <a:rPr lang="zh-CN" altLang="en-US" smtClean="0"/>
-              <a:t>2023/3/2</a:t>
+              <a:t>2023/3/14</a:t>
             </a:fld>
             <a:endParaRPr lang="zh-CN" altLang="en-US"/>
           </a:p>
@@ -5398,7 +5401,7 @@
           <a:p>
             <a:fld id="{34C042E6-B216-4592-8AF3-2B42AC14DDDB}" type="datetimeFigureOut">
               <a:rPr lang="zh-CN" altLang="en-US" smtClean="0"/>
-              <a:t>2023/3/2</a:t>
+              <a:t>2023/3/14</a:t>
             </a:fld>
             <a:endParaRPr lang="zh-CN" altLang="en-US"/>
           </a:p>
@@ -8792,10 +8795,10 @@
       </p:grpSpPr>
       <p:sp>
         <p:nvSpPr>
-          <p:cNvPr id="5" name="标题 4">
-            <a:extLst>
-              <a:ext uri="{FF2B5EF4-FFF2-40B4-BE49-F238E27FC236}">
-                <a16:creationId xmlns:a16="http://schemas.microsoft.com/office/drawing/2014/main" id="{7C3CFBB2-29A4-9845-909C-D2C6211C1301}"/>
+          <p:cNvPr id="4" name="灯片编号占位符 3">
+            <a:extLst>
+              <a:ext uri="{FF2B5EF4-FFF2-40B4-BE49-F238E27FC236}">
+                <a16:creationId xmlns:a16="http://schemas.microsoft.com/office/drawing/2014/main" id="{AE828391-B279-8E41-A69D-5A4E4B3F5BB5}"/>
               </a:ext>
             </a:extLst>
           </p:cNvPr>
@@ -8803,7 +8806,7 @@
             <a:spLocks noGrp="1"/>
           </p:cNvSpPr>
           <p:nvPr>
-            <p:ph type="title"/>
+            <p:ph type="sldNum" sz="quarter" idx="12"/>
           </p:nvPr>
         </p:nvSpPr>
         <p:spPr/>
@@ -8811,42 +8814,1299 @@
           <a:bodyPr/>
           <a:lstStyle/>
           <a:p>
-            <a:r>
-              <a:rPr kumimoji="1" lang="zh-CN" altLang="en-US" b="1" dirty="0"/>
-              <a:t>第三阶段</a:t>
-            </a:r>
-          </a:p>
-        </p:txBody>
-      </p:sp>
-      <p:sp>
-        <p:nvSpPr>
-          <p:cNvPr id="6" name="文本占位符 5">
-            <a:extLst>
-              <a:ext uri="{FF2B5EF4-FFF2-40B4-BE49-F238E27FC236}">
-                <a16:creationId xmlns:a16="http://schemas.microsoft.com/office/drawing/2014/main" id="{88326478-0DD6-F849-B334-5BDB7DEEC82C}"/>
-              </a:ext>
-            </a:extLst>
-          </p:cNvPr>
-          <p:cNvSpPr>
-            <a:spLocks noGrp="1"/>
-          </p:cNvSpPr>
-          <p:nvPr>
-            <p:ph type="body" idx="1"/>
-          </p:nvPr>
-        </p:nvSpPr>
-        <p:spPr/>
-        <p:txBody>
-          <a:bodyPr/>
+            <a:fld id="{ADE361C3-C043-4A6E-BDCE-8DA1E7D90A3B}" type="slidenum">
+              <a:rPr lang="zh-CN" altLang="en-US" smtClean="0"/>
+              <a:t>11</a:t>
+            </a:fld>
+            <a:endParaRPr lang="zh-CN" altLang="en-US"/>
+          </a:p>
+        </p:txBody>
+      </p:sp>
+      <p:sp>
+        <p:nvSpPr>
+          <p:cNvPr id="56" name="椭圆 55">
+            <a:extLst>
+              <a:ext uri="{FF2B5EF4-FFF2-40B4-BE49-F238E27FC236}">
+                <a16:creationId xmlns:a16="http://schemas.microsoft.com/office/drawing/2014/main" id="{077817F6-8A7F-C514-219F-E59EB433745D}"/>
+              </a:ext>
+            </a:extLst>
+          </p:cNvPr>
+          <p:cNvSpPr/>
+          <p:nvPr/>
+        </p:nvSpPr>
+        <p:spPr>
+          <a:xfrm>
+            <a:off x="3855864" y="772357"/>
+            <a:ext cx="719091" cy="719091"/>
+          </a:xfrm>
+          <a:prstGeom prst="ellipse">
+            <a:avLst/>
+          </a:prstGeom>
+        </p:spPr>
+        <p:style>
+          <a:lnRef idx="2">
+            <a:schemeClr val="accent1">
+              <a:shade val="50000"/>
+            </a:schemeClr>
+          </a:lnRef>
+          <a:fillRef idx="1">
+            <a:schemeClr val="accent1"/>
+          </a:fillRef>
+          <a:effectRef idx="0">
+            <a:schemeClr val="accent1"/>
+          </a:effectRef>
+          <a:fontRef idx="minor">
+            <a:schemeClr val="lt1"/>
+          </a:fontRef>
+        </p:style>
+        <p:txBody>
+          <a:bodyPr rtlCol="0" anchor="ctr"/>
           <a:lstStyle/>
           <a:p>
-            <a:endParaRPr kumimoji="1" lang="zh-CN" altLang="en-US"/>
-          </a:p>
-        </p:txBody>
-      </p:sp>
+            <a:pPr algn="ctr"/>
+            <a:r>
+              <a:rPr lang="en-US" altLang="zh-CN" sz="1100" dirty="0"/>
+              <a:t>NUL</a:t>
+            </a:r>
+          </a:p>
+          <a:p>
+            <a:pPr algn="ctr"/>
+            <a:r>
+              <a:rPr lang="en-US" altLang="zh-CN" sz="1100" dirty="0"/>
+              <a:t>X</a:t>
+            </a:r>
+            <a:endParaRPr lang="zh-CN" altLang="en-US" sz="1100" dirty="0"/>
+          </a:p>
+        </p:txBody>
+      </p:sp>
+      <p:sp>
+        <p:nvSpPr>
+          <p:cNvPr id="57" name="椭圆 56">
+            <a:extLst>
+              <a:ext uri="{FF2B5EF4-FFF2-40B4-BE49-F238E27FC236}">
+                <a16:creationId xmlns:a16="http://schemas.microsoft.com/office/drawing/2014/main" id="{933A4DEF-F2FB-7A00-A6CE-A647F7459F67}"/>
+              </a:ext>
+            </a:extLst>
+          </p:cNvPr>
+          <p:cNvSpPr/>
+          <p:nvPr/>
+        </p:nvSpPr>
+        <p:spPr>
+          <a:xfrm>
+            <a:off x="3855864" y="1945691"/>
+            <a:ext cx="719091" cy="719091"/>
+          </a:xfrm>
+          <a:prstGeom prst="ellipse">
+            <a:avLst/>
+          </a:prstGeom>
+        </p:spPr>
+        <p:style>
+          <a:lnRef idx="2">
+            <a:schemeClr val="accent1">
+              <a:shade val="50000"/>
+            </a:schemeClr>
+          </a:lnRef>
+          <a:fillRef idx="1">
+            <a:schemeClr val="accent1"/>
+          </a:fillRef>
+          <a:effectRef idx="0">
+            <a:schemeClr val="accent1"/>
+          </a:effectRef>
+          <a:fontRef idx="minor">
+            <a:schemeClr val="lt1"/>
+          </a:fontRef>
+        </p:style>
+        <p:txBody>
+          <a:bodyPr rtlCol="0" anchor="ctr"/>
+          <a:lstStyle/>
+          <a:p>
+            <a:pPr algn="ctr"/>
+            <a:r>
+              <a:rPr lang="en-US" altLang="zh-CN" sz="1100" dirty="0"/>
+              <a:t>MUL</a:t>
+            </a:r>
+          </a:p>
+          <a:p>
+            <a:pPr algn="ctr"/>
+            <a:r>
+              <a:rPr lang="en-US" altLang="zh-CN" sz="1100" dirty="0"/>
+              <a:t>X^2</a:t>
+            </a:r>
+            <a:endParaRPr lang="zh-CN" altLang="en-US" sz="1100" dirty="0"/>
+          </a:p>
+        </p:txBody>
+      </p:sp>
+      <p:sp>
+        <p:nvSpPr>
+          <p:cNvPr id="58" name="椭圆 57">
+            <a:extLst>
+              <a:ext uri="{FF2B5EF4-FFF2-40B4-BE49-F238E27FC236}">
+                <a16:creationId xmlns:a16="http://schemas.microsoft.com/office/drawing/2014/main" id="{D126501B-6CA3-7CA2-523C-771D2525D779}"/>
+              </a:ext>
+            </a:extLst>
+          </p:cNvPr>
+          <p:cNvSpPr/>
+          <p:nvPr/>
+        </p:nvSpPr>
+        <p:spPr>
+          <a:xfrm>
+            <a:off x="3022844" y="2808304"/>
+            <a:ext cx="719091" cy="719091"/>
+          </a:xfrm>
+          <a:prstGeom prst="ellipse">
+            <a:avLst/>
+          </a:prstGeom>
+        </p:spPr>
+        <p:style>
+          <a:lnRef idx="2">
+            <a:schemeClr val="accent1">
+              <a:shade val="50000"/>
+            </a:schemeClr>
+          </a:lnRef>
+          <a:fillRef idx="1">
+            <a:schemeClr val="accent1"/>
+          </a:fillRef>
+          <a:effectRef idx="0">
+            <a:schemeClr val="accent1"/>
+          </a:effectRef>
+          <a:fontRef idx="minor">
+            <a:schemeClr val="lt1"/>
+          </a:fontRef>
+        </p:style>
+        <p:txBody>
+          <a:bodyPr rtlCol="0" anchor="ctr"/>
+          <a:lstStyle/>
+          <a:p>
+            <a:pPr algn="ctr"/>
+            <a:r>
+              <a:rPr lang="en-US" altLang="zh-CN" sz="1100" dirty="0"/>
+              <a:t>MUL</a:t>
+            </a:r>
+          </a:p>
+          <a:p>
+            <a:pPr algn="ctr"/>
+            <a:r>
+              <a:rPr lang="en-US" altLang="zh-CN" sz="1100" dirty="0"/>
+              <a:t>X^3</a:t>
+            </a:r>
+            <a:endParaRPr lang="zh-CN" altLang="en-US" sz="1100" dirty="0"/>
+          </a:p>
+        </p:txBody>
+      </p:sp>
+      <p:cxnSp>
+        <p:nvCxnSpPr>
+          <p:cNvPr id="60" name="连接符: 曲线 59">
+            <a:extLst>
+              <a:ext uri="{FF2B5EF4-FFF2-40B4-BE49-F238E27FC236}">
+                <a16:creationId xmlns:a16="http://schemas.microsoft.com/office/drawing/2014/main" id="{8EFC8A80-B520-DFB6-B097-D8ED7889872D}"/>
+              </a:ext>
+            </a:extLst>
+          </p:cNvPr>
+          <p:cNvCxnSpPr>
+            <a:stCxn id="56" idx="4"/>
+            <a:endCxn id="57" idx="0"/>
+          </p:cNvCxnSpPr>
+          <p:nvPr/>
+        </p:nvCxnSpPr>
+        <p:spPr>
+          <a:xfrm rot="5400000">
+            <a:off x="3988289" y="1718569"/>
+            <a:ext cx="454243" cy="12700"/>
+          </a:xfrm>
+          <a:prstGeom prst="curvedConnector3">
+            <a:avLst/>
+          </a:prstGeom>
+          <a:ln>
+            <a:tailEnd type="triangle"/>
+          </a:ln>
+        </p:spPr>
+        <p:style>
+          <a:lnRef idx="1">
+            <a:schemeClr val="accent1"/>
+          </a:lnRef>
+          <a:fillRef idx="0">
+            <a:schemeClr val="accent1"/>
+          </a:fillRef>
+          <a:effectRef idx="0">
+            <a:schemeClr val="accent1"/>
+          </a:effectRef>
+          <a:fontRef idx="minor">
+            <a:schemeClr val="tx1"/>
+          </a:fontRef>
+        </p:style>
+      </p:cxnSp>
+      <p:cxnSp>
+        <p:nvCxnSpPr>
+          <p:cNvPr id="63" name="连接符: 曲线 62">
+            <a:extLst>
+              <a:ext uri="{FF2B5EF4-FFF2-40B4-BE49-F238E27FC236}">
+                <a16:creationId xmlns:a16="http://schemas.microsoft.com/office/drawing/2014/main" id="{02F4FBED-86CC-FE6D-9F09-49CC945FEAA7}"/>
+              </a:ext>
+            </a:extLst>
+          </p:cNvPr>
+          <p:cNvCxnSpPr>
+            <a:stCxn id="57" idx="4"/>
+            <a:endCxn id="58" idx="6"/>
+          </p:cNvCxnSpPr>
+          <p:nvPr/>
+        </p:nvCxnSpPr>
+        <p:spPr>
+          <a:xfrm rot="5400000">
+            <a:off x="3727139" y="2679579"/>
+            <a:ext cx="503068" cy="473475"/>
+          </a:xfrm>
+          <a:prstGeom prst="curvedConnector2">
+            <a:avLst/>
+          </a:prstGeom>
+          <a:ln>
+            <a:tailEnd type="triangle"/>
+          </a:ln>
+        </p:spPr>
+        <p:style>
+          <a:lnRef idx="1">
+            <a:schemeClr val="accent1"/>
+          </a:lnRef>
+          <a:fillRef idx="0">
+            <a:schemeClr val="accent1"/>
+          </a:fillRef>
+          <a:effectRef idx="0">
+            <a:schemeClr val="accent1"/>
+          </a:effectRef>
+          <a:fontRef idx="minor">
+            <a:schemeClr val="tx1"/>
+          </a:fontRef>
+        </p:style>
+      </p:cxnSp>
+      <p:cxnSp>
+        <p:nvCxnSpPr>
+          <p:cNvPr id="65" name="连接符: 曲线 64">
+            <a:extLst>
+              <a:ext uri="{FF2B5EF4-FFF2-40B4-BE49-F238E27FC236}">
+                <a16:creationId xmlns:a16="http://schemas.microsoft.com/office/drawing/2014/main" id="{3FCC7E71-44F9-8E17-E157-7207FF3BB778}"/>
+              </a:ext>
+            </a:extLst>
+          </p:cNvPr>
+          <p:cNvCxnSpPr>
+            <a:cxnSpLocks/>
+            <a:stCxn id="56" idx="3"/>
+            <a:endCxn id="58" idx="0"/>
+          </p:cNvCxnSpPr>
+          <p:nvPr/>
+        </p:nvCxnSpPr>
+        <p:spPr>
+          <a:xfrm rot="5400000">
+            <a:off x="2960699" y="1807831"/>
+            <a:ext cx="1422164" cy="578782"/>
+          </a:xfrm>
+          <a:prstGeom prst="curvedConnector3">
+            <a:avLst>
+              <a:gd name="adj1" fmla="val 50000"/>
+            </a:avLst>
+          </a:prstGeom>
+          <a:ln>
+            <a:tailEnd type="triangle"/>
+          </a:ln>
+        </p:spPr>
+        <p:style>
+          <a:lnRef idx="1">
+            <a:schemeClr val="accent1"/>
+          </a:lnRef>
+          <a:fillRef idx="0">
+            <a:schemeClr val="accent1"/>
+          </a:fillRef>
+          <a:effectRef idx="0">
+            <a:schemeClr val="accent1"/>
+          </a:effectRef>
+          <a:fontRef idx="minor">
+            <a:schemeClr val="tx1"/>
+          </a:fontRef>
+        </p:style>
+      </p:cxnSp>
+      <p:sp>
+        <p:nvSpPr>
+          <p:cNvPr id="67" name="椭圆 66">
+            <a:extLst>
+              <a:ext uri="{FF2B5EF4-FFF2-40B4-BE49-F238E27FC236}">
+                <a16:creationId xmlns:a16="http://schemas.microsoft.com/office/drawing/2014/main" id="{37E7127B-F921-347E-A8A0-D75A5DB294A2}"/>
+              </a:ext>
+            </a:extLst>
+          </p:cNvPr>
+          <p:cNvSpPr/>
+          <p:nvPr/>
+        </p:nvSpPr>
+        <p:spPr>
+          <a:xfrm>
+            <a:off x="2204091" y="3758573"/>
+            <a:ext cx="719091" cy="719091"/>
+          </a:xfrm>
+          <a:prstGeom prst="ellipse">
+            <a:avLst/>
+          </a:prstGeom>
+        </p:spPr>
+        <p:style>
+          <a:lnRef idx="2">
+            <a:schemeClr val="accent1">
+              <a:shade val="50000"/>
+            </a:schemeClr>
+          </a:lnRef>
+          <a:fillRef idx="1">
+            <a:schemeClr val="accent1"/>
+          </a:fillRef>
+          <a:effectRef idx="0">
+            <a:schemeClr val="accent1"/>
+          </a:effectRef>
+          <a:fontRef idx="minor">
+            <a:schemeClr val="lt1"/>
+          </a:fontRef>
+        </p:style>
+        <p:txBody>
+          <a:bodyPr rtlCol="0" anchor="ctr"/>
+          <a:lstStyle/>
+          <a:p>
+            <a:pPr algn="ctr"/>
+            <a:r>
+              <a:rPr lang="en-US" altLang="zh-CN" sz="1100" dirty="0"/>
+              <a:t>ADD</a:t>
+            </a:r>
+          </a:p>
+          <a:p>
+            <a:pPr algn="ctr"/>
+            <a:r>
+              <a:rPr lang="en-US" altLang="zh-CN" sz="1100" dirty="0"/>
+              <a:t>_</a:t>
+            </a:r>
+            <a:endParaRPr lang="zh-CN" altLang="en-US" sz="1100" dirty="0"/>
+          </a:p>
+        </p:txBody>
+      </p:sp>
+      <p:cxnSp>
+        <p:nvCxnSpPr>
+          <p:cNvPr id="69" name="连接符: 曲线 68">
+            <a:extLst>
+              <a:ext uri="{FF2B5EF4-FFF2-40B4-BE49-F238E27FC236}">
+                <a16:creationId xmlns:a16="http://schemas.microsoft.com/office/drawing/2014/main" id="{F0740A20-0BB8-2286-37BA-7349FB7EB552}"/>
+              </a:ext>
+            </a:extLst>
+          </p:cNvPr>
+          <p:cNvCxnSpPr>
+            <a:stCxn id="58" idx="3"/>
+            <a:endCxn id="67" idx="7"/>
+          </p:cNvCxnSpPr>
+          <p:nvPr/>
+        </p:nvCxnSpPr>
+        <p:spPr>
+          <a:xfrm rot="5400000">
+            <a:off x="2752116" y="3487845"/>
+            <a:ext cx="441794" cy="310278"/>
+          </a:xfrm>
+          <a:prstGeom prst="curvedConnector3">
+            <a:avLst/>
+          </a:prstGeom>
+          <a:ln>
+            <a:tailEnd type="triangle"/>
+          </a:ln>
+        </p:spPr>
+        <p:style>
+          <a:lnRef idx="1">
+            <a:schemeClr val="accent1"/>
+          </a:lnRef>
+          <a:fillRef idx="0">
+            <a:schemeClr val="accent1"/>
+          </a:fillRef>
+          <a:effectRef idx="0">
+            <a:schemeClr val="accent1"/>
+          </a:effectRef>
+          <a:fontRef idx="minor">
+            <a:schemeClr val="tx1"/>
+          </a:fontRef>
+        </p:style>
+      </p:cxnSp>
+      <p:cxnSp>
+        <p:nvCxnSpPr>
+          <p:cNvPr id="71" name="连接符: 曲线 70">
+            <a:extLst>
+              <a:ext uri="{FF2B5EF4-FFF2-40B4-BE49-F238E27FC236}">
+                <a16:creationId xmlns:a16="http://schemas.microsoft.com/office/drawing/2014/main" id="{1424580A-F6A5-5D91-1EBE-BB04F1BFF202}"/>
+              </a:ext>
+            </a:extLst>
+          </p:cNvPr>
+          <p:cNvCxnSpPr>
+            <a:stCxn id="56" idx="2"/>
+            <a:endCxn id="67" idx="0"/>
+          </p:cNvCxnSpPr>
+          <p:nvPr/>
+        </p:nvCxnSpPr>
+        <p:spPr>
+          <a:xfrm rot="10800000" flipV="1">
+            <a:off x="2563638" y="1131903"/>
+            <a:ext cx="1292227" cy="2626670"/>
+          </a:xfrm>
+          <a:prstGeom prst="curvedConnector2">
+            <a:avLst/>
+          </a:prstGeom>
+          <a:ln>
+            <a:tailEnd type="triangle"/>
+          </a:ln>
+        </p:spPr>
+        <p:style>
+          <a:lnRef idx="1">
+            <a:schemeClr val="accent1"/>
+          </a:lnRef>
+          <a:fillRef idx="0">
+            <a:schemeClr val="accent1"/>
+          </a:fillRef>
+          <a:effectRef idx="0">
+            <a:schemeClr val="accent1"/>
+          </a:effectRef>
+          <a:fontRef idx="minor">
+            <a:schemeClr val="tx1"/>
+          </a:fontRef>
+        </p:style>
+      </p:cxnSp>
+      <p:sp>
+        <p:nvSpPr>
+          <p:cNvPr id="72" name="椭圆 71">
+            <a:extLst>
+              <a:ext uri="{FF2B5EF4-FFF2-40B4-BE49-F238E27FC236}">
+                <a16:creationId xmlns:a16="http://schemas.microsoft.com/office/drawing/2014/main" id="{BCFFA7C4-1111-E198-8D3C-D3DA4F61166B}"/>
+              </a:ext>
+            </a:extLst>
+          </p:cNvPr>
+          <p:cNvSpPr/>
+          <p:nvPr/>
+        </p:nvSpPr>
+        <p:spPr>
+          <a:xfrm>
+            <a:off x="877726" y="3778423"/>
+            <a:ext cx="719091" cy="719091"/>
+          </a:xfrm>
+          <a:prstGeom prst="ellipse">
+            <a:avLst/>
+          </a:prstGeom>
+        </p:spPr>
+        <p:style>
+          <a:lnRef idx="2">
+            <a:schemeClr val="accent1">
+              <a:shade val="50000"/>
+            </a:schemeClr>
+          </a:lnRef>
+          <a:fillRef idx="1">
+            <a:schemeClr val="accent1"/>
+          </a:fillRef>
+          <a:effectRef idx="0">
+            <a:schemeClr val="accent1"/>
+          </a:effectRef>
+          <a:fontRef idx="minor">
+            <a:schemeClr val="lt1"/>
+          </a:fontRef>
+        </p:style>
+        <p:txBody>
+          <a:bodyPr rtlCol="0" anchor="ctr"/>
+          <a:lstStyle/>
+          <a:p>
+            <a:pPr algn="ctr"/>
+            <a:r>
+              <a:rPr lang="en-US" altLang="zh-CN" sz="900" dirty="0"/>
+              <a:t>~ONE</a:t>
+            </a:r>
+          </a:p>
+          <a:p>
+            <a:pPr algn="ctr"/>
+            <a:r>
+              <a:rPr lang="en-US" altLang="zh-CN" sz="1100" dirty="0"/>
+              <a:t>5</a:t>
+            </a:r>
+          </a:p>
+        </p:txBody>
+      </p:sp>
+      <p:sp>
+        <p:nvSpPr>
+          <p:cNvPr id="73" name="椭圆 72">
+            <a:extLst>
+              <a:ext uri="{FF2B5EF4-FFF2-40B4-BE49-F238E27FC236}">
+                <a16:creationId xmlns:a16="http://schemas.microsoft.com/office/drawing/2014/main" id="{F85993A7-A6C8-3F7B-A172-540027787C8A}"/>
+              </a:ext>
+            </a:extLst>
+          </p:cNvPr>
+          <p:cNvSpPr/>
+          <p:nvPr/>
+        </p:nvSpPr>
+        <p:spPr>
+          <a:xfrm>
+            <a:off x="1566907" y="4660232"/>
+            <a:ext cx="719091" cy="719091"/>
+          </a:xfrm>
+          <a:prstGeom prst="ellipse">
+            <a:avLst/>
+          </a:prstGeom>
+        </p:spPr>
+        <p:style>
+          <a:lnRef idx="2">
+            <a:schemeClr val="accent1">
+              <a:shade val="50000"/>
+            </a:schemeClr>
+          </a:lnRef>
+          <a:fillRef idx="1">
+            <a:schemeClr val="accent1"/>
+          </a:fillRef>
+          <a:effectRef idx="0">
+            <a:schemeClr val="accent1"/>
+          </a:effectRef>
+          <a:fontRef idx="minor">
+            <a:schemeClr val="lt1"/>
+          </a:fontRef>
+        </p:style>
+        <p:txBody>
+          <a:bodyPr rtlCol="0" anchor="ctr"/>
+          <a:lstStyle/>
+          <a:p>
+            <a:pPr algn="ctr"/>
+            <a:r>
+              <a:rPr lang="en-US" altLang="zh-CN" sz="1100" dirty="0"/>
+              <a:t>ADD</a:t>
+            </a:r>
+          </a:p>
+          <a:p>
+            <a:pPr algn="ctr"/>
+            <a:r>
+              <a:rPr lang="en-US" altLang="zh-CN" sz="1100" dirty="0"/>
+              <a:t>_</a:t>
+            </a:r>
+            <a:endParaRPr lang="zh-CN" altLang="en-US" sz="1100" dirty="0"/>
+          </a:p>
+        </p:txBody>
+      </p:sp>
+      <p:cxnSp>
+        <p:nvCxnSpPr>
+          <p:cNvPr id="75" name="连接符: 曲线 74">
+            <a:extLst>
+              <a:ext uri="{FF2B5EF4-FFF2-40B4-BE49-F238E27FC236}">
+                <a16:creationId xmlns:a16="http://schemas.microsoft.com/office/drawing/2014/main" id="{172881D9-0C57-8213-5138-BD55D3A0C38C}"/>
+              </a:ext>
+            </a:extLst>
+          </p:cNvPr>
+          <p:cNvCxnSpPr>
+            <a:stCxn id="72" idx="5"/>
+            <a:endCxn id="73" idx="1"/>
+          </p:cNvCxnSpPr>
+          <p:nvPr/>
+        </p:nvCxnSpPr>
+        <p:spPr>
+          <a:xfrm rot="16200000" flipH="1">
+            <a:off x="1395195" y="4488520"/>
+            <a:ext cx="373334" cy="180706"/>
+          </a:xfrm>
+          <a:prstGeom prst="curvedConnector3">
+            <a:avLst/>
+          </a:prstGeom>
+          <a:ln>
+            <a:tailEnd type="triangle"/>
+          </a:ln>
+        </p:spPr>
+        <p:style>
+          <a:lnRef idx="1">
+            <a:schemeClr val="accent1"/>
+          </a:lnRef>
+          <a:fillRef idx="0">
+            <a:schemeClr val="accent1"/>
+          </a:fillRef>
+          <a:effectRef idx="0">
+            <a:schemeClr val="accent1"/>
+          </a:effectRef>
+          <a:fontRef idx="minor">
+            <a:schemeClr val="tx1"/>
+          </a:fontRef>
+        </p:style>
+      </p:cxnSp>
+      <p:cxnSp>
+        <p:nvCxnSpPr>
+          <p:cNvPr id="77" name="连接符: 曲线 76">
+            <a:extLst>
+              <a:ext uri="{FF2B5EF4-FFF2-40B4-BE49-F238E27FC236}">
+                <a16:creationId xmlns:a16="http://schemas.microsoft.com/office/drawing/2014/main" id="{271ADFAB-164D-F7B8-0FA6-865A23D9DCFF}"/>
+              </a:ext>
+            </a:extLst>
+          </p:cNvPr>
+          <p:cNvCxnSpPr>
+            <a:stCxn id="67" idx="3"/>
+            <a:endCxn id="73" idx="7"/>
+          </p:cNvCxnSpPr>
+          <p:nvPr/>
+        </p:nvCxnSpPr>
+        <p:spPr>
+          <a:xfrm rot="5400000">
+            <a:off x="2048453" y="4504594"/>
+            <a:ext cx="393184" cy="128709"/>
+          </a:xfrm>
+          <a:prstGeom prst="curvedConnector3">
+            <a:avLst/>
+          </a:prstGeom>
+          <a:ln>
+            <a:tailEnd type="triangle"/>
+          </a:ln>
+        </p:spPr>
+        <p:style>
+          <a:lnRef idx="1">
+            <a:schemeClr val="accent1"/>
+          </a:lnRef>
+          <a:fillRef idx="0">
+            <a:schemeClr val="accent1"/>
+          </a:fillRef>
+          <a:effectRef idx="0">
+            <a:schemeClr val="accent1"/>
+          </a:effectRef>
+          <a:fontRef idx="minor">
+            <a:schemeClr val="tx1"/>
+          </a:fontRef>
+        </p:style>
+      </p:cxnSp>
+      <p:sp>
+        <p:nvSpPr>
+          <p:cNvPr id="78" name="椭圆 77">
+            <a:extLst>
+              <a:ext uri="{FF2B5EF4-FFF2-40B4-BE49-F238E27FC236}">
+                <a16:creationId xmlns:a16="http://schemas.microsoft.com/office/drawing/2014/main" id="{078BF326-8E2E-1335-5CE5-C460B300D35D}"/>
+              </a:ext>
+            </a:extLst>
+          </p:cNvPr>
+          <p:cNvSpPr/>
+          <p:nvPr/>
+        </p:nvSpPr>
+        <p:spPr>
+          <a:xfrm>
+            <a:off x="9374126" y="912358"/>
+            <a:ext cx="719091" cy="719091"/>
+          </a:xfrm>
+          <a:prstGeom prst="ellipse">
+            <a:avLst/>
+          </a:prstGeom>
+        </p:spPr>
+        <p:style>
+          <a:lnRef idx="2">
+            <a:schemeClr val="accent1">
+              <a:shade val="50000"/>
+            </a:schemeClr>
+          </a:lnRef>
+          <a:fillRef idx="1">
+            <a:schemeClr val="accent1"/>
+          </a:fillRef>
+          <a:effectRef idx="0">
+            <a:schemeClr val="accent1"/>
+          </a:effectRef>
+          <a:fontRef idx="minor">
+            <a:schemeClr val="lt1"/>
+          </a:fontRef>
+        </p:style>
+        <p:txBody>
+          <a:bodyPr rtlCol="0" anchor="ctr"/>
+          <a:lstStyle/>
+          <a:p>
+            <a:pPr algn="ctr"/>
+            <a:r>
+              <a:rPr lang="en-US" altLang="zh-CN" sz="1100" dirty="0"/>
+              <a:t>NUL</a:t>
+            </a:r>
+          </a:p>
+          <a:p>
+            <a:pPr algn="ctr"/>
+            <a:r>
+              <a:rPr lang="en-US" altLang="zh-CN" sz="1100" dirty="0"/>
+              <a:t>X</a:t>
+            </a:r>
+            <a:endParaRPr lang="zh-CN" altLang="en-US" sz="1100" dirty="0"/>
+          </a:p>
+        </p:txBody>
+      </p:sp>
+      <p:sp>
+        <p:nvSpPr>
+          <p:cNvPr id="79" name="椭圆 78">
+            <a:extLst>
+              <a:ext uri="{FF2B5EF4-FFF2-40B4-BE49-F238E27FC236}">
+                <a16:creationId xmlns:a16="http://schemas.microsoft.com/office/drawing/2014/main" id="{AFB340B6-EC60-9124-0AE0-9201BAAE6AAF}"/>
+              </a:ext>
+            </a:extLst>
+          </p:cNvPr>
+          <p:cNvSpPr/>
+          <p:nvPr/>
+        </p:nvSpPr>
+        <p:spPr>
+          <a:xfrm>
+            <a:off x="9374126" y="2085692"/>
+            <a:ext cx="719091" cy="719091"/>
+          </a:xfrm>
+          <a:prstGeom prst="ellipse">
+            <a:avLst/>
+          </a:prstGeom>
+        </p:spPr>
+        <p:style>
+          <a:lnRef idx="2">
+            <a:schemeClr val="accent1">
+              <a:shade val="50000"/>
+            </a:schemeClr>
+          </a:lnRef>
+          <a:fillRef idx="1">
+            <a:schemeClr val="accent1"/>
+          </a:fillRef>
+          <a:effectRef idx="0">
+            <a:schemeClr val="accent1"/>
+          </a:effectRef>
+          <a:fontRef idx="minor">
+            <a:schemeClr val="lt1"/>
+          </a:fontRef>
+        </p:style>
+        <p:txBody>
+          <a:bodyPr rtlCol="0" anchor="ctr"/>
+          <a:lstStyle/>
+          <a:p>
+            <a:pPr algn="ctr"/>
+            <a:r>
+              <a:rPr lang="en-US" altLang="zh-CN" sz="1100" dirty="0"/>
+              <a:t>MUL</a:t>
+            </a:r>
+          </a:p>
+          <a:p>
+            <a:pPr algn="ctr"/>
+            <a:r>
+              <a:rPr lang="en-US" altLang="zh-CN" sz="1100" dirty="0"/>
+              <a:t>X^2</a:t>
+            </a:r>
+            <a:endParaRPr lang="zh-CN" altLang="en-US" sz="1100" dirty="0"/>
+          </a:p>
+        </p:txBody>
+      </p:sp>
+      <p:sp>
+        <p:nvSpPr>
+          <p:cNvPr id="80" name="椭圆 79">
+            <a:extLst>
+              <a:ext uri="{FF2B5EF4-FFF2-40B4-BE49-F238E27FC236}">
+                <a16:creationId xmlns:a16="http://schemas.microsoft.com/office/drawing/2014/main" id="{AC219E87-91B8-C119-56E9-EBEC886A27CA}"/>
+              </a:ext>
+            </a:extLst>
+          </p:cNvPr>
+          <p:cNvSpPr/>
+          <p:nvPr/>
+        </p:nvSpPr>
+        <p:spPr>
+          <a:xfrm>
+            <a:off x="8541106" y="2948305"/>
+            <a:ext cx="719091" cy="719091"/>
+          </a:xfrm>
+          <a:prstGeom prst="ellipse">
+            <a:avLst/>
+          </a:prstGeom>
+        </p:spPr>
+        <p:style>
+          <a:lnRef idx="2">
+            <a:schemeClr val="accent1">
+              <a:shade val="50000"/>
+            </a:schemeClr>
+          </a:lnRef>
+          <a:fillRef idx="1">
+            <a:schemeClr val="accent1"/>
+          </a:fillRef>
+          <a:effectRef idx="0">
+            <a:schemeClr val="accent1"/>
+          </a:effectRef>
+          <a:fontRef idx="minor">
+            <a:schemeClr val="lt1"/>
+          </a:fontRef>
+        </p:style>
+        <p:txBody>
+          <a:bodyPr rtlCol="0" anchor="ctr"/>
+          <a:lstStyle/>
+          <a:p>
+            <a:pPr algn="ctr"/>
+            <a:r>
+              <a:rPr lang="en-US" altLang="zh-CN" sz="1100" dirty="0"/>
+              <a:t>MUL</a:t>
+            </a:r>
+          </a:p>
+          <a:p>
+            <a:pPr algn="ctr"/>
+            <a:r>
+              <a:rPr lang="en-US" altLang="zh-CN" sz="1100" dirty="0"/>
+              <a:t>X^3</a:t>
+            </a:r>
+            <a:endParaRPr lang="zh-CN" altLang="en-US" sz="1100" dirty="0"/>
+          </a:p>
+        </p:txBody>
+      </p:sp>
+      <p:cxnSp>
+        <p:nvCxnSpPr>
+          <p:cNvPr id="81" name="连接符: 曲线 80">
+            <a:extLst>
+              <a:ext uri="{FF2B5EF4-FFF2-40B4-BE49-F238E27FC236}">
+                <a16:creationId xmlns:a16="http://schemas.microsoft.com/office/drawing/2014/main" id="{9633DEE1-6F0D-5021-D7F9-3599472E3FB2}"/>
+              </a:ext>
+            </a:extLst>
+          </p:cNvPr>
+          <p:cNvCxnSpPr>
+            <a:stCxn id="78" idx="4"/>
+            <a:endCxn id="79" idx="0"/>
+          </p:cNvCxnSpPr>
+          <p:nvPr/>
+        </p:nvCxnSpPr>
+        <p:spPr>
+          <a:xfrm rot="5400000">
+            <a:off x="9506551" y="1858570"/>
+            <a:ext cx="454243" cy="12700"/>
+          </a:xfrm>
+          <a:prstGeom prst="curvedConnector3">
+            <a:avLst/>
+          </a:prstGeom>
+          <a:ln>
+            <a:tailEnd type="triangle"/>
+          </a:ln>
+        </p:spPr>
+        <p:style>
+          <a:lnRef idx="1">
+            <a:schemeClr val="accent1"/>
+          </a:lnRef>
+          <a:fillRef idx="0">
+            <a:schemeClr val="accent1"/>
+          </a:fillRef>
+          <a:effectRef idx="0">
+            <a:schemeClr val="accent1"/>
+          </a:effectRef>
+          <a:fontRef idx="minor">
+            <a:schemeClr val="tx1"/>
+          </a:fontRef>
+        </p:style>
+      </p:cxnSp>
+      <p:cxnSp>
+        <p:nvCxnSpPr>
+          <p:cNvPr id="82" name="连接符: 曲线 81">
+            <a:extLst>
+              <a:ext uri="{FF2B5EF4-FFF2-40B4-BE49-F238E27FC236}">
+                <a16:creationId xmlns:a16="http://schemas.microsoft.com/office/drawing/2014/main" id="{9277E543-D726-A30D-30DE-CD4850CFE846}"/>
+              </a:ext>
+            </a:extLst>
+          </p:cNvPr>
+          <p:cNvCxnSpPr>
+            <a:stCxn id="79" idx="4"/>
+            <a:endCxn id="80" idx="6"/>
+          </p:cNvCxnSpPr>
+          <p:nvPr/>
+        </p:nvCxnSpPr>
+        <p:spPr>
+          <a:xfrm rot="5400000">
+            <a:off x="9245401" y="2819580"/>
+            <a:ext cx="503068" cy="473475"/>
+          </a:xfrm>
+          <a:prstGeom prst="curvedConnector2">
+            <a:avLst/>
+          </a:prstGeom>
+          <a:ln>
+            <a:tailEnd type="triangle"/>
+          </a:ln>
+        </p:spPr>
+        <p:style>
+          <a:lnRef idx="1">
+            <a:schemeClr val="accent1"/>
+          </a:lnRef>
+          <a:fillRef idx="0">
+            <a:schemeClr val="accent1"/>
+          </a:fillRef>
+          <a:effectRef idx="0">
+            <a:schemeClr val="accent1"/>
+          </a:effectRef>
+          <a:fontRef idx="minor">
+            <a:schemeClr val="tx1"/>
+          </a:fontRef>
+        </p:style>
+      </p:cxnSp>
+      <p:cxnSp>
+        <p:nvCxnSpPr>
+          <p:cNvPr id="83" name="连接符: 曲线 82">
+            <a:extLst>
+              <a:ext uri="{FF2B5EF4-FFF2-40B4-BE49-F238E27FC236}">
+                <a16:creationId xmlns:a16="http://schemas.microsoft.com/office/drawing/2014/main" id="{44B478DF-0620-ADFD-A29F-C8F6DB6F168E}"/>
+              </a:ext>
+            </a:extLst>
+          </p:cNvPr>
+          <p:cNvCxnSpPr>
+            <a:cxnSpLocks/>
+            <a:stCxn id="78" idx="3"/>
+            <a:endCxn id="80" idx="0"/>
+          </p:cNvCxnSpPr>
+          <p:nvPr/>
+        </p:nvCxnSpPr>
+        <p:spPr>
+          <a:xfrm rot="5400000">
+            <a:off x="8478961" y="1947832"/>
+            <a:ext cx="1422164" cy="578782"/>
+          </a:xfrm>
+          <a:prstGeom prst="curvedConnector3">
+            <a:avLst>
+              <a:gd name="adj1" fmla="val 50000"/>
+            </a:avLst>
+          </a:prstGeom>
+          <a:ln>
+            <a:tailEnd type="triangle"/>
+          </a:ln>
+        </p:spPr>
+        <p:style>
+          <a:lnRef idx="1">
+            <a:schemeClr val="accent1"/>
+          </a:lnRef>
+          <a:fillRef idx="0">
+            <a:schemeClr val="accent1"/>
+          </a:fillRef>
+          <a:effectRef idx="0">
+            <a:schemeClr val="accent1"/>
+          </a:effectRef>
+          <a:fontRef idx="minor">
+            <a:schemeClr val="tx1"/>
+          </a:fontRef>
+        </p:style>
+      </p:cxnSp>
+      <p:sp>
+        <p:nvSpPr>
+          <p:cNvPr id="84" name="椭圆 83">
+            <a:extLst>
+              <a:ext uri="{FF2B5EF4-FFF2-40B4-BE49-F238E27FC236}">
+                <a16:creationId xmlns:a16="http://schemas.microsoft.com/office/drawing/2014/main" id="{BCA9F66B-4D0D-E821-0F0B-25383352D9A8}"/>
+              </a:ext>
+            </a:extLst>
+          </p:cNvPr>
+          <p:cNvSpPr/>
+          <p:nvPr/>
+        </p:nvSpPr>
+        <p:spPr>
+          <a:xfrm>
+            <a:off x="7722353" y="3898574"/>
+            <a:ext cx="719091" cy="719091"/>
+          </a:xfrm>
+          <a:prstGeom prst="ellipse">
+            <a:avLst/>
+          </a:prstGeom>
+        </p:spPr>
+        <p:style>
+          <a:lnRef idx="2">
+            <a:schemeClr val="accent1">
+              <a:shade val="50000"/>
+            </a:schemeClr>
+          </a:lnRef>
+          <a:fillRef idx="1">
+            <a:schemeClr val="accent1"/>
+          </a:fillRef>
+          <a:effectRef idx="0">
+            <a:schemeClr val="accent1"/>
+          </a:effectRef>
+          <a:fontRef idx="minor">
+            <a:schemeClr val="lt1"/>
+          </a:fontRef>
+        </p:style>
+        <p:txBody>
+          <a:bodyPr rtlCol="0" anchor="ctr"/>
+          <a:lstStyle/>
+          <a:p>
+            <a:pPr algn="ctr"/>
+            <a:r>
+              <a:rPr lang="en-US" altLang="zh-CN" sz="1100" dirty="0"/>
+              <a:t>ADD</a:t>
+            </a:r>
+          </a:p>
+          <a:p>
+            <a:pPr algn="ctr"/>
+            <a:r>
+              <a:rPr lang="en-US" altLang="zh-CN" sz="1100" dirty="0"/>
+              <a:t>_</a:t>
+            </a:r>
+            <a:endParaRPr lang="zh-CN" altLang="en-US" sz="1100" dirty="0"/>
+          </a:p>
+        </p:txBody>
+      </p:sp>
+      <p:cxnSp>
+        <p:nvCxnSpPr>
+          <p:cNvPr id="85" name="连接符: 曲线 84">
+            <a:extLst>
+              <a:ext uri="{FF2B5EF4-FFF2-40B4-BE49-F238E27FC236}">
+                <a16:creationId xmlns:a16="http://schemas.microsoft.com/office/drawing/2014/main" id="{5D7ECF30-CCB6-3F50-2986-590FB635EE1B}"/>
+              </a:ext>
+            </a:extLst>
+          </p:cNvPr>
+          <p:cNvCxnSpPr>
+            <a:stCxn id="80" idx="3"/>
+            <a:endCxn id="84" idx="7"/>
+          </p:cNvCxnSpPr>
+          <p:nvPr/>
+        </p:nvCxnSpPr>
+        <p:spPr>
+          <a:xfrm rot="5400000">
+            <a:off x="8270378" y="3627846"/>
+            <a:ext cx="441794" cy="310278"/>
+          </a:xfrm>
+          <a:prstGeom prst="curvedConnector3">
+            <a:avLst/>
+          </a:prstGeom>
+          <a:ln>
+            <a:tailEnd type="triangle"/>
+          </a:ln>
+        </p:spPr>
+        <p:style>
+          <a:lnRef idx="1">
+            <a:schemeClr val="accent1"/>
+          </a:lnRef>
+          <a:fillRef idx="0">
+            <a:schemeClr val="accent1"/>
+          </a:fillRef>
+          <a:effectRef idx="0">
+            <a:schemeClr val="accent1"/>
+          </a:effectRef>
+          <a:fontRef idx="minor">
+            <a:schemeClr val="tx1"/>
+          </a:fontRef>
+        </p:style>
+      </p:cxnSp>
+      <p:cxnSp>
+        <p:nvCxnSpPr>
+          <p:cNvPr id="86" name="连接符: 曲线 85">
+            <a:extLst>
+              <a:ext uri="{FF2B5EF4-FFF2-40B4-BE49-F238E27FC236}">
+                <a16:creationId xmlns:a16="http://schemas.microsoft.com/office/drawing/2014/main" id="{6585000A-A840-684F-EE04-5A508A8B7AD2}"/>
+              </a:ext>
+            </a:extLst>
+          </p:cNvPr>
+          <p:cNvCxnSpPr>
+            <a:cxnSpLocks/>
+            <a:stCxn id="78" idx="2"/>
+            <a:endCxn id="88" idx="1"/>
+          </p:cNvCxnSpPr>
+          <p:nvPr/>
+        </p:nvCxnSpPr>
+        <p:spPr>
+          <a:xfrm rot="10800000" flipV="1">
+            <a:off x="6755532" y="1271903"/>
+            <a:ext cx="2618594" cy="3341323"/>
+          </a:xfrm>
+          <a:prstGeom prst="curvedConnector2">
+            <a:avLst/>
+          </a:prstGeom>
+          <a:ln>
+            <a:tailEnd type="triangle"/>
+          </a:ln>
+        </p:spPr>
+        <p:style>
+          <a:lnRef idx="1">
+            <a:schemeClr val="accent1"/>
+          </a:lnRef>
+          <a:fillRef idx="0">
+            <a:schemeClr val="accent1"/>
+          </a:fillRef>
+          <a:effectRef idx="0">
+            <a:schemeClr val="accent1"/>
+          </a:effectRef>
+          <a:fontRef idx="minor">
+            <a:schemeClr val="tx1"/>
+          </a:fontRef>
+        </p:style>
+      </p:cxnSp>
+      <p:sp>
+        <p:nvSpPr>
+          <p:cNvPr id="87" name="椭圆 86">
+            <a:extLst>
+              <a:ext uri="{FF2B5EF4-FFF2-40B4-BE49-F238E27FC236}">
+                <a16:creationId xmlns:a16="http://schemas.microsoft.com/office/drawing/2014/main" id="{8D8F532F-823A-7ADC-1102-45FF9687F390}"/>
+              </a:ext>
+            </a:extLst>
+          </p:cNvPr>
+          <p:cNvSpPr/>
+          <p:nvPr/>
+        </p:nvSpPr>
+        <p:spPr>
+          <a:xfrm>
+            <a:off x="7608423" y="2872831"/>
+            <a:ext cx="719091" cy="719091"/>
+          </a:xfrm>
+          <a:prstGeom prst="ellipse">
+            <a:avLst/>
+          </a:prstGeom>
+        </p:spPr>
+        <p:style>
+          <a:lnRef idx="2">
+            <a:schemeClr val="accent1">
+              <a:shade val="50000"/>
+            </a:schemeClr>
+          </a:lnRef>
+          <a:fillRef idx="1">
+            <a:schemeClr val="accent1"/>
+          </a:fillRef>
+          <a:effectRef idx="0">
+            <a:schemeClr val="accent1"/>
+          </a:effectRef>
+          <a:fontRef idx="minor">
+            <a:schemeClr val="lt1"/>
+          </a:fontRef>
+        </p:style>
+        <p:txBody>
+          <a:bodyPr rtlCol="0" anchor="ctr"/>
+          <a:lstStyle/>
+          <a:p>
+            <a:pPr algn="ctr"/>
+            <a:r>
+              <a:rPr lang="en-US" altLang="zh-CN" sz="900" dirty="0"/>
+              <a:t>~ONE</a:t>
+            </a:r>
+          </a:p>
+          <a:p>
+            <a:pPr algn="ctr"/>
+            <a:r>
+              <a:rPr lang="en-US" altLang="zh-CN" sz="1100" dirty="0"/>
+              <a:t>5</a:t>
+            </a:r>
+          </a:p>
+        </p:txBody>
+      </p:sp>
+      <p:sp>
+        <p:nvSpPr>
+          <p:cNvPr id="88" name="椭圆 87">
+            <a:extLst>
+              <a:ext uri="{FF2B5EF4-FFF2-40B4-BE49-F238E27FC236}">
+                <a16:creationId xmlns:a16="http://schemas.microsoft.com/office/drawing/2014/main" id="{4CA4EB5D-52F1-FC9B-67EF-9BE925DE5818}"/>
+              </a:ext>
+            </a:extLst>
+          </p:cNvPr>
+          <p:cNvSpPr/>
+          <p:nvPr/>
+        </p:nvSpPr>
+        <p:spPr>
+          <a:xfrm>
+            <a:off x="6650224" y="4507919"/>
+            <a:ext cx="719091" cy="719091"/>
+          </a:xfrm>
+          <a:prstGeom prst="ellipse">
+            <a:avLst/>
+          </a:prstGeom>
+        </p:spPr>
+        <p:style>
+          <a:lnRef idx="2">
+            <a:schemeClr val="accent1">
+              <a:shade val="50000"/>
+            </a:schemeClr>
+          </a:lnRef>
+          <a:fillRef idx="1">
+            <a:schemeClr val="accent1"/>
+          </a:fillRef>
+          <a:effectRef idx="0">
+            <a:schemeClr val="accent1"/>
+          </a:effectRef>
+          <a:fontRef idx="minor">
+            <a:schemeClr val="lt1"/>
+          </a:fontRef>
+        </p:style>
+        <p:txBody>
+          <a:bodyPr rtlCol="0" anchor="ctr"/>
+          <a:lstStyle/>
+          <a:p>
+            <a:pPr algn="ctr"/>
+            <a:r>
+              <a:rPr lang="en-US" altLang="zh-CN" sz="1100" dirty="0"/>
+              <a:t>ADD</a:t>
+            </a:r>
+          </a:p>
+          <a:p>
+            <a:pPr algn="ctr"/>
+            <a:r>
+              <a:rPr lang="en-US" altLang="zh-CN" sz="1100" dirty="0"/>
+              <a:t>_</a:t>
+            </a:r>
+            <a:endParaRPr lang="zh-CN" altLang="en-US" sz="1100" dirty="0"/>
+          </a:p>
+        </p:txBody>
+      </p:sp>
+      <p:cxnSp>
+        <p:nvCxnSpPr>
+          <p:cNvPr id="89" name="连接符: 曲线 88">
+            <a:extLst>
+              <a:ext uri="{FF2B5EF4-FFF2-40B4-BE49-F238E27FC236}">
+                <a16:creationId xmlns:a16="http://schemas.microsoft.com/office/drawing/2014/main" id="{780B3944-EF57-B1CE-CCD9-F303049B2894}"/>
+              </a:ext>
+            </a:extLst>
+          </p:cNvPr>
+          <p:cNvCxnSpPr>
+            <a:cxnSpLocks/>
+            <a:stCxn id="87" idx="4"/>
+            <a:endCxn id="84" idx="0"/>
+          </p:cNvCxnSpPr>
+          <p:nvPr/>
+        </p:nvCxnSpPr>
+        <p:spPr>
+          <a:xfrm rot="16200000" flipH="1">
+            <a:off x="7871608" y="3688283"/>
+            <a:ext cx="306652" cy="113930"/>
+          </a:xfrm>
+          <a:prstGeom prst="curvedConnector3">
+            <a:avLst>
+              <a:gd name="adj1" fmla="val 50000"/>
+            </a:avLst>
+          </a:prstGeom>
+          <a:ln>
+            <a:tailEnd type="triangle"/>
+          </a:ln>
+        </p:spPr>
+        <p:style>
+          <a:lnRef idx="1">
+            <a:schemeClr val="accent1"/>
+          </a:lnRef>
+          <a:fillRef idx="0">
+            <a:schemeClr val="accent1"/>
+          </a:fillRef>
+          <a:effectRef idx="0">
+            <a:schemeClr val="accent1"/>
+          </a:effectRef>
+          <a:fontRef idx="minor">
+            <a:schemeClr val="tx1"/>
+          </a:fontRef>
+        </p:style>
+      </p:cxnSp>
+      <p:cxnSp>
+        <p:nvCxnSpPr>
+          <p:cNvPr id="90" name="连接符: 曲线 89">
+            <a:extLst>
+              <a:ext uri="{FF2B5EF4-FFF2-40B4-BE49-F238E27FC236}">
+                <a16:creationId xmlns:a16="http://schemas.microsoft.com/office/drawing/2014/main" id="{B6FF64DA-36B4-8194-B46B-780CC1451743}"/>
+              </a:ext>
+            </a:extLst>
+          </p:cNvPr>
+          <p:cNvCxnSpPr>
+            <a:cxnSpLocks/>
+            <a:stCxn id="84" idx="2"/>
+            <a:endCxn id="88" idx="7"/>
+          </p:cNvCxnSpPr>
+          <p:nvPr/>
+        </p:nvCxnSpPr>
+        <p:spPr>
+          <a:xfrm rot="10800000" flipV="1">
+            <a:off x="7264007" y="4258119"/>
+            <a:ext cx="458346" cy="355107"/>
+          </a:xfrm>
+          <a:prstGeom prst="curvedConnector2">
+            <a:avLst/>
+          </a:prstGeom>
+          <a:ln>
+            <a:tailEnd type="triangle"/>
+          </a:ln>
+        </p:spPr>
+        <p:style>
+          <a:lnRef idx="1">
+            <a:schemeClr val="accent1"/>
+          </a:lnRef>
+          <a:fillRef idx="0">
+            <a:schemeClr val="accent1"/>
+          </a:fillRef>
+          <a:effectRef idx="0">
+            <a:schemeClr val="accent1"/>
+          </a:effectRef>
+          <a:fontRef idx="minor">
+            <a:schemeClr val="tx1"/>
+          </a:fontRef>
+        </p:style>
+      </p:cxnSp>
     </p:spTree>
     <p:extLst>
       <p:ext uri="{BB962C8B-B14F-4D97-AF65-F5344CB8AC3E}">
-        <p14:creationId xmlns:p14="http://schemas.microsoft.com/office/powerpoint/2010/main" val="347350649"/>
+        <p14:creationId xmlns:p14="http://schemas.microsoft.com/office/powerpoint/2010/main" val="3019071240"/>
       </p:ext>
     </p:extLst>
   </p:cSld>
@@ -8875,6 +10135,1944 @@
       </p:grpSpPr>
       <p:sp>
         <p:nvSpPr>
+          <p:cNvPr id="4" name="灯片编号占位符 3">
+            <a:extLst>
+              <a:ext uri="{FF2B5EF4-FFF2-40B4-BE49-F238E27FC236}">
+                <a16:creationId xmlns:a16="http://schemas.microsoft.com/office/drawing/2014/main" id="{AE828391-B279-8E41-A69D-5A4E4B3F5BB5}"/>
+              </a:ext>
+            </a:extLst>
+          </p:cNvPr>
+          <p:cNvSpPr>
+            <a:spLocks noGrp="1"/>
+          </p:cNvSpPr>
+          <p:nvPr>
+            <p:ph type="sldNum" sz="quarter" idx="12"/>
+          </p:nvPr>
+        </p:nvSpPr>
+        <p:spPr/>
+        <p:txBody>
+          <a:bodyPr/>
+          <a:lstStyle/>
+          <a:p>
+            <a:fld id="{ADE361C3-C043-4A6E-BDCE-8DA1E7D90A3B}" type="slidenum">
+              <a:rPr lang="zh-CN" altLang="en-US" smtClean="0"/>
+              <a:t>12</a:t>
+            </a:fld>
+            <a:endParaRPr lang="zh-CN" altLang="en-US"/>
+          </a:p>
+        </p:txBody>
+      </p:sp>
+      <p:sp>
+        <p:nvSpPr>
+          <p:cNvPr id="56" name="椭圆 55">
+            <a:extLst>
+              <a:ext uri="{FF2B5EF4-FFF2-40B4-BE49-F238E27FC236}">
+                <a16:creationId xmlns:a16="http://schemas.microsoft.com/office/drawing/2014/main" id="{077817F6-8A7F-C514-219F-E59EB433745D}"/>
+              </a:ext>
+            </a:extLst>
+          </p:cNvPr>
+          <p:cNvSpPr/>
+          <p:nvPr/>
+        </p:nvSpPr>
+        <p:spPr>
+          <a:xfrm>
+            <a:off x="3855864" y="772357"/>
+            <a:ext cx="719091" cy="719091"/>
+          </a:xfrm>
+          <a:prstGeom prst="ellipse">
+            <a:avLst/>
+          </a:prstGeom>
+        </p:spPr>
+        <p:style>
+          <a:lnRef idx="2">
+            <a:schemeClr val="accent1">
+              <a:shade val="50000"/>
+            </a:schemeClr>
+          </a:lnRef>
+          <a:fillRef idx="1">
+            <a:schemeClr val="accent1"/>
+          </a:fillRef>
+          <a:effectRef idx="0">
+            <a:schemeClr val="accent1"/>
+          </a:effectRef>
+          <a:fontRef idx="minor">
+            <a:schemeClr val="lt1"/>
+          </a:fontRef>
+        </p:style>
+        <p:txBody>
+          <a:bodyPr rtlCol="0" anchor="ctr"/>
+          <a:lstStyle/>
+          <a:p>
+            <a:pPr algn="ctr"/>
+            <a:r>
+              <a:rPr lang="en-US" altLang="zh-CN" sz="1100" dirty="0"/>
+              <a:t>NUL</a:t>
+            </a:r>
+          </a:p>
+          <a:p>
+            <a:pPr algn="ctr"/>
+            <a:r>
+              <a:rPr lang="en-US" altLang="zh-CN" sz="1100" dirty="0"/>
+              <a:t>X</a:t>
+            </a:r>
+            <a:endParaRPr lang="zh-CN" altLang="en-US" sz="1100" dirty="0"/>
+          </a:p>
+        </p:txBody>
+      </p:sp>
+      <p:sp>
+        <p:nvSpPr>
+          <p:cNvPr id="58" name="椭圆 57">
+            <a:extLst>
+              <a:ext uri="{FF2B5EF4-FFF2-40B4-BE49-F238E27FC236}">
+                <a16:creationId xmlns:a16="http://schemas.microsoft.com/office/drawing/2014/main" id="{D126501B-6CA3-7CA2-523C-771D2525D779}"/>
+              </a:ext>
+            </a:extLst>
+          </p:cNvPr>
+          <p:cNvSpPr/>
+          <p:nvPr/>
+        </p:nvSpPr>
+        <p:spPr>
+          <a:xfrm>
+            <a:off x="3022844" y="2808304"/>
+            <a:ext cx="719091" cy="719091"/>
+          </a:xfrm>
+          <a:prstGeom prst="ellipse">
+            <a:avLst/>
+          </a:prstGeom>
+        </p:spPr>
+        <p:style>
+          <a:lnRef idx="2">
+            <a:schemeClr val="accent1">
+              <a:shade val="50000"/>
+            </a:schemeClr>
+          </a:lnRef>
+          <a:fillRef idx="1">
+            <a:schemeClr val="accent1"/>
+          </a:fillRef>
+          <a:effectRef idx="0">
+            <a:schemeClr val="accent1"/>
+          </a:effectRef>
+          <a:fontRef idx="minor">
+            <a:schemeClr val="lt1"/>
+          </a:fontRef>
+        </p:style>
+        <p:txBody>
+          <a:bodyPr rtlCol="0" anchor="ctr"/>
+          <a:lstStyle/>
+          <a:p>
+            <a:pPr algn="ctr"/>
+            <a:r>
+              <a:rPr lang="en-US" altLang="zh-CN" sz="1100" dirty="0"/>
+              <a:t>MUL</a:t>
+            </a:r>
+          </a:p>
+          <a:p>
+            <a:pPr algn="ctr"/>
+            <a:r>
+              <a:rPr lang="en-US" altLang="zh-CN" sz="1100" dirty="0"/>
+              <a:t>X^3</a:t>
+            </a:r>
+            <a:endParaRPr lang="zh-CN" altLang="en-US" sz="1100" dirty="0"/>
+          </a:p>
+        </p:txBody>
+      </p:sp>
+      <p:sp>
+        <p:nvSpPr>
+          <p:cNvPr id="67" name="椭圆 66">
+            <a:extLst>
+              <a:ext uri="{FF2B5EF4-FFF2-40B4-BE49-F238E27FC236}">
+                <a16:creationId xmlns:a16="http://schemas.microsoft.com/office/drawing/2014/main" id="{37E7127B-F921-347E-A8A0-D75A5DB294A2}"/>
+              </a:ext>
+            </a:extLst>
+          </p:cNvPr>
+          <p:cNvSpPr/>
+          <p:nvPr/>
+        </p:nvSpPr>
+        <p:spPr>
+          <a:xfrm>
+            <a:off x="2204091" y="3758573"/>
+            <a:ext cx="719091" cy="719091"/>
+          </a:xfrm>
+          <a:prstGeom prst="ellipse">
+            <a:avLst/>
+          </a:prstGeom>
+        </p:spPr>
+        <p:style>
+          <a:lnRef idx="2">
+            <a:schemeClr val="accent1">
+              <a:shade val="50000"/>
+            </a:schemeClr>
+          </a:lnRef>
+          <a:fillRef idx="1">
+            <a:schemeClr val="accent1"/>
+          </a:fillRef>
+          <a:effectRef idx="0">
+            <a:schemeClr val="accent1"/>
+          </a:effectRef>
+          <a:fontRef idx="minor">
+            <a:schemeClr val="lt1"/>
+          </a:fontRef>
+        </p:style>
+        <p:txBody>
+          <a:bodyPr rtlCol="0" anchor="ctr"/>
+          <a:lstStyle/>
+          <a:p>
+            <a:pPr algn="ctr"/>
+            <a:r>
+              <a:rPr lang="en-US" altLang="zh-CN" sz="1100" dirty="0"/>
+              <a:t>ADD</a:t>
+            </a:r>
+          </a:p>
+          <a:p>
+            <a:pPr algn="ctr"/>
+            <a:r>
+              <a:rPr lang="en-US" altLang="zh-CN" sz="1100" dirty="0"/>
+              <a:t>_</a:t>
+            </a:r>
+            <a:endParaRPr lang="zh-CN" altLang="en-US" sz="1100" dirty="0"/>
+          </a:p>
+        </p:txBody>
+      </p:sp>
+      <p:cxnSp>
+        <p:nvCxnSpPr>
+          <p:cNvPr id="69" name="连接符: 曲线 68">
+            <a:extLst>
+              <a:ext uri="{FF2B5EF4-FFF2-40B4-BE49-F238E27FC236}">
+                <a16:creationId xmlns:a16="http://schemas.microsoft.com/office/drawing/2014/main" id="{F0740A20-0BB8-2286-37BA-7349FB7EB552}"/>
+              </a:ext>
+            </a:extLst>
+          </p:cNvPr>
+          <p:cNvCxnSpPr>
+            <a:stCxn id="58" idx="3"/>
+            <a:endCxn id="67" idx="7"/>
+          </p:cNvCxnSpPr>
+          <p:nvPr/>
+        </p:nvCxnSpPr>
+        <p:spPr>
+          <a:xfrm rot="5400000">
+            <a:off x="2752116" y="3487845"/>
+            <a:ext cx="441794" cy="310278"/>
+          </a:xfrm>
+          <a:prstGeom prst="curvedConnector3">
+            <a:avLst/>
+          </a:prstGeom>
+          <a:ln>
+            <a:tailEnd type="triangle"/>
+          </a:ln>
+        </p:spPr>
+        <p:style>
+          <a:lnRef idx="1">
+            <a:schemeClr val="accent1"/>
+          </a:lnRef>
+          <a:fillRef idx="0">
+            <a:schemeClr val="accent1"/>
+          </a:fillRef>
+          <a:effectRef idx="0">
+            <a:schemeClr val="accent1"/>
+          </a:effectRef>
+          <a:fontRef idx="minor">
+            <a:schemeClr val="tx1"/>
+          </a:fontRef>
+        </p:style>
+      </p:cxnSp>
+      <p:cxnSp>
+        <p:nvCxnSpPr>
+          <p:cNvPr id="71" name="连接符: 曲线 70">
+            <a:extLst>
+              <a:ext uri="{FF2B5EF4-FFF2-40B4-BE49-F238E27FC236}">
+                <a16:creationId xmlns:a16="http://schemas.microsoft.com/office/drawing/2014/main" id="{1424580A-F6A5-5D91-1EBE-BB04F1BFF202}"/>
+              </a:ext>
+            </a:extLst>
+          </p:cNvPr>
+          <p:cNvCxnSpPr>
+            <a:stCxn id="56" idx="2"/>
+            <a:endCxn id="67" idx="0"/>
+          </p:cNvCxnSpPr>
+          <p:nvPr/>
+        </p:nvCxnSpPr>
+        <p:spPr>
+          <a:xfrm rot="10800000" flipV="1">
+            <a:off x="2563638" y="1131903"/>
+            <a:ext cx="1292227" cy="2626670"/>
+          </a:xfrm>
+          <a:prstGeom prst="curvedConnector2">
+            <a:avLst/>
+          </a:prstGeom>
+          <a:ln>
+            <a:tailEnd type="triangle"/>
+          </a:ln>
+        </p:spPr>
+        <p:style>
+          <a:lnRef idx="1">
+            <a:schemeClr val="accent1"/>
+          </a:lnRef>
+          <a:fillRef idx="0">
+            <a:schemeClr val="accent1"/>
+          </a:fillRef>
+          <a:effectRef idx="0">
+            <a:schemeClr val="accent1"/>
+          </a:effectRef>
+          <a:fontRef idx="minor">
+            <a:schemeClr val="tx1"/>
+          </a:fontRef>
+        </p:style>
+      </p:cxnSp>
+      <p:sp>
+        <p:nvSpPr>
+          <p:cNvPr id="72" name="椭圆 71">
+            <a:extLst>
+              <a:ext uri="{FF2B5EF4-FFF2-40B4-BE49-F238E27FC236}">
+                <a16:creationId xmlns:a16="http://schemas.microsoft.com/office/drawing/2014/main" id="{BCFFA7C4-1111-E198-8D3C-D3DA4F61166B}"/>
+              </a:ext>
+            </a:extLst>
+          </p:cNvPr>
+          <p:cNvSpPr/>
+          <p:nvPr/>
+        </p:nvSpPr>
+        <p:spPr>
+          <a:xfrm>
+            <a:off x="877726" y="3778423"/>
+            <a:ext cx="719091" cy="719091"/>
+          </a:xfrm>
+          <a:prstGeom prst="ellipse">
+            <a:avLst/>
+          </a:prstGeom>
+        </p:spPr>
+        <p:style>
+          <a:lnRef idx="2">
+            <a:schemeClr val="accent1">
+              <a:shade val="50000"/>
+            </a:schemeClr>
+          </a:lnRef>
+          <a:fillRef idx="1">
+            <a:schemeClr val="accent1"/>
+          </a:fillRef>
+          <a:effectRef idx="0">
+            <a:schemeClr val="accent1"/>
+          </a:effectRef>
+          <a:fontRef idx="minor">
+            <a:schemeClr val="lt1"/>
+          </a:fontRef>
+        </p:style>
+        <p:txBody>
+          <a:bodyPr rtlCol="0" anchor="ctr"/>
+          <a:lstStyle/>
+          <a:p>
+            <a:pPr algn="ctr"/>
+            <a:r>
+              <a:rPr lang="en-US" altLang="zh-CN" sz="900" dirty="0"/>
+              <a:t>~ONE</a:t>
+            </a:r>
+          </a:p>
+          <a:p>
+            <a:pPr algn="ctr"/>
+            <a:r>
+              <a:rPr lang="en-US" altLang="zh-CN" sz="1100" dirty="0"/>
+              <a:t>5</a:t>
+            </a:r>
+          </a:p>
+        </p:txBody>
+      </p:sp>
+      <p:sp>
+        <p:nvSpPr>
+          <p:cNvPr id="73" name="椭圆 72">
+            <a:extLst>
+              <a:ext uri="{FF2B5EF4-FFF2-40B4-BE49-F238E27FC236}">
+                <a16:creationId xmlns:a16="http://schemas.microsoft.com/office/drawing/2014/main" id="{F85993A7-A6C8-3F7B-A172-540027787C8A}"/>
+              </a:ext>
+            </a:extLst>
+          </p:cNvPr>
+          <p:cNvSpPr/>
+          <p:nvPr/>
+        </p:nvSpPr>
+        <p:spPr>
+          <a:xfrm>
+            <a:off x="1566907" y="4660232"/>
+            <a:ext cx="719091" cy="719091"/>
+          </a:xfrm>
+          <a:prstGeom prst="ellipse">
+            <a:avLst/>
+          </a:prstGeom>
+        </p:spPr>
+        <p:style>
+          <a:lnRef idx="2">
+            <a:schemeClr val="accent1">
+              <a:shade val="50000"/>
+            </a:schemeClr>
+          </a:lnRef>
+          <a:fillRef idx="1">
+            <a:schemeClr val="accent1"/>
+          </a:fillRef>
+          <a:effectRef idx="0">
+            <a:schemeClr val="accent1"/>
+          </a:effectRef>
+          <a:fontRef idx="minor">
+            <a:schemeClr val="lt1"/>
+          </a:fontRef>
+        </p:style>
+        <p:txBody>
+          <a:bodyPr rtlCol="0" anchor="ctr"/>
+          <a:lstStyle/>
+          <a:p>
+            <a:pPr algn="ctr"/>
+            <a:r>
+              <a:rPr lang="en-US" altLang="zh-CN" sz="1100" dirty="0"/>
+              <a:t>ADD</a:t>
+            </a:r>
+          </a:p>
+          <a:p>
+            <a:pPr algn="ctr"/>
+            <a:r>
+              <a:rPr lang="en-US" altLang="zh-CN" sz="1100" dirty="0"/>
+              <a:t>_</a:t>
+            </a:r>
+            <a:endParaRPr lang="zh-CN" altLang="en-US" sz="1100" dirty="0"/>
+          </a:p>
+        </p:txBody>
+      </p:sp>
+      <p:cxnSp>
+        <p:nvCxnSpPr>
+          <p:cNvPr id="75" name="连接符: 曲线 74">
+            <a:extLst>
+              <a:ext uri="{FF2B5EF4-FFF2-40B4-BE49-F238E27FC236}">
+                <a16:creationId xmlns:a16="http://schemas.microsoft.com/office/drawing/2014/main" id="{172881D9-0C57-8213-5138-BD55D3A0C38C}"/>
+              </a:ext>
+            </a:extLst>
+          </p:cNvPr>
+          <p:cNvCxnSpPr>
+            <a:stCxn id="72" idx="5"/>
+            <a:endCxn id="73" idx="1"/>
+          </p:cNvCxnSpPr>
+          <p:nvPr/>
+        </p:nvCxnSpPr>
+        <p:spPr>
+          <a:xfrm rot="16200000" flipH="1">
+            <a:off x="1395195" y="4488520"/>
+            <a:ext cx="373334" cy="180706"/>
+          </a:xfrm>
+          <a:prstGeom prst="curvedConnector3">
+            <a:avLst/>
+          </a:prstGeom>
+          <a:ln>
+            <a:tailEnd type="triangle"/>
+          </a:ln>
+        </p:spPr>
+        <p:style>
+          <a:lnRef idx="1">
+            <a:schemeClr val="accent1"/>
+          </a:lnRef>
+          <a:fillRef idx="0">
+            <a:schemeClr val="accent1"/>
+          </a:fillRef>
+          <a:effectRef idx="0">
+            <a:schemeClr val="accent1"/>
+          </a:effectRef>
+          <a:fontRef idx="minor">
+            <a:schemeClr val="tx1"/>
+          </a:fontRef>
+        </p:style>
+      </p:cxnSp>
+      <p:cxnSp>
+        <p:nvCxnSpPr>
+          <p:cNvPr id="77" name="连接符: 曲线 76">
+            <a:extLst>
+              <a:ext uri="{FF2B5EF4-FFF2-40B4-BE49-F238E27FC236}">
+                <a16:creationId xmlns:a16="http://schemas.microsoft.com/office/drawing/2014/main" id="{271ADFAB-164D-F7B8-0FA6-865A23D9DCFF}"/>
+              </a:ext>
+            </a:extLst>
+          </p:cNvPr>
+          <p:cNvCxnSpPr>
+            <a:stCxn id="67" idx="3"/>
+            <a:endCxn id="73" idx="7"/>
+          </p:cNvCxnSpPr>
+          <p:nvPr/>
+        </p:nvCxnSpPr>
+        <p:spPr>
+          <a:xfrm rot="5400000">
+            <a:off x="2048453" y="4504594"/>
+            <a:ext cx="393184" cy="128709"/>
+          </a:xfrm>
+          <a:prstGeom prst="curvedConnector3">
+            <a:avLst/>
+          </a:prstGeom>
+          <a:ln>
+            <a:tailEnd type="triangle"/>
+          </a:ln>
+        </p:spPr>
+        <p:style>
+          <a:lnRef idx="1">
+            <a:schemeClr val="accent1"/>
+          </a:lnRef>
+          <a:fillRef idx="0">
+            <a:schemeClr val="accent1"/>
+          </a:fillRef>
+          <a:effectRef idx="0">
+            <a:schemeClr val="accent1"/>
+          </a:effectRef>
+          <a:fontRef idx="minor">
+            <a:schemeClr val="tx1"/>
+          </a:fontRef>
+        </p:style>
+      </p:cxnSp>
+      <p:sp>
+        <p:nvSpPr>
+          <p:cNvPr id="2" name="椭圆 1">
+            <a:extLst>
+              <a:ext uri="{FF2B5EF4-FFF2-40B4-BE49-F238E27FC236}">
+                <a16:creationId xmlns:a16="http://schemas.microsoft.com/office/drawing/2014/main" id="{70CCDA30-2FCC-60CF-8800-1BD8B9F26BAB}"/>
+              </a:ext>
+            </a:extLst>
+          </p:cNvPr>
+          <p:cNvSpPr/>
+          <p:nvPr/>
+        </p:nvSpPr>
+        <p:spPr>
+          <a:xfrm>
+            <a:off x="9938547" y="772357"/>
+            <a:ext cx="719091" cy="719091"/>
+          </a:xfrm>
+          <a:prstGeom prst="ellipse">
+            <a:avLst/>
+          </a:prstGeom>
+        </p:spPr>
+        <p:style>
+          <a:lnRef idx="2">
+            <a:schemeClr val="accent1">
+              <a:shade val="50000"/>
+            </a:schemeClr>
+          </a:lnRef>
+          <a:fillRef idx="1">
+            <a:schemeClr val="accent1"/>
+          </a:fillRef>
+          <a:effectRef idx="0">
+            <a:schemeClr val="accent1"/>
+          </a:effectRef>
+          <a:fontRef idx="minor">
+            <a:schemeClr val="lt1"/>
+          </a:fontRef>
+        </p:style>
+        <p:txBody>
+          <a:bodyPr rtlCol="0" anchor="ctr"/>
+          <a:lstStyle/>
+          <a:p>
+            <a:pPr algn="ctr"/>
+            <a:r>
+              <a:rPr lang="en-US" altLang="zh-CN" sz="1100" dirty="0"/>
+              <a:t>NUL</a:t>
+            </a:r>
+          </a:p>
+          <a:p>
+            <a:pPr algn="ctr"/>
+            <a:r>
+              <a:rPr lang="en-US" altLang="zh-CN" sz="1100" dirty="0"/>
+              <a:t>X</a:t>
+            </a:r>
+            <a:endParaRPr lang="zh-CN" altLang="en-US" sz="1100" dirty="0"/>
+          </a:p>
+        </p:txBody>
+      </p:sp>
+      <p:sp>
+        <p:nvSpPr>
+          <p:cNvPr id="3" name="椭圆 2">
+            <a:extLst>
+              <a:ext uri="{FF2B5EF4-FFF2-40B4-BE49-F238E27FC236}">
+                <a16:creationId xmlns:a16="http://schemas.microsoft.com/office/drawing/2014/main" id="{D63251E8-84F4-0515-84E4-1EA09F9F5DBD}"/>
+              </a:ext>
+            </a:extLst>
+          </p:cNvPr>
+          <p:cNvSpPr/>
+          <p:nvPr/>
+        </p:nvSpPr>
+        <p:spPr>
+          <a:xfrm>
+            <a:off x="9938547" y="1945691"/>
+            <a:ext cx="719091" cy="719091"/>
+          </a:xfrm>
+          <a:prstGeom prst="ellipse">
+            <a:avLst/>
+          </a:prstGeom>
+        </p:spPr>
+        <p:style>
+          <a:lnRef idx="2">
+            <a:schemeClr val="accent1">
+              <a:shade val="50000"/>
+            </a:schemeClr>
+          </a:lnRef>
+          <a:fillRef idx="1">
+            <a:schemeClr val="accent1"/>
+          </a:fillRef>
+          <a:effectRef idx="0">
+            <a:schemeClr val="accent1"/>
+          </a:effectRef>
+          <a:fontRef idx="minor">
+            <a:schemeClr val="lt1"/>
+          </a:fontRef>
+        </p:style>
+        <p:txBody>
+          <a:bodyPr rtlCol="0" anchor="ctr"/>
+          <a:lstStyle/>
+          <a:p>
+            <a:pPr algn="ctr"/>
+            <a:r>
+              <a:rPr lang="en-US" altLang="zh-CN" sz="1100" dirty="0"/>
+              <a:t>MUL</a:t>
+            </a:r>
+          </a:p>
+          <a:p>
+            <a:pPr algn="ctr"/>
+            <a:r>
+              <a:rPr lang="en-US" altLang="zh-CN" sz="1100" dirty="0"/>
+              <a:t>X^2</a:t>
+            </a:r>
+            <a:endParaRPr lang="zh-CN" altLang="en-US" sz="1100" dirty="0"/>
+          </a:p>
+        </p:txBody>
+      </p:sp>
+      <p:cxnSp>
+        <p:nvCxnSpPr>
+          <p:cNvPr id="5" name="连接符: 曲线 4">
+            <a:extLst>
+              <a:ext uri="{FF2B5EF4-FFF2-40B4-BE49-F238E27FC236}">
+                <a16:creationId xmlns:a16="http://schemas.microsoft.com/office/drawing/2014/main" id="{FE374C12-482B-8DA9-41C9-9449FBADC5E5}"/>
+              </a:ext>
+            </a:extLst>
+          </p:cNvPr>
+          <p:cNvCxnSpPr>
+            <a:stCxn id="2" idx="4"/>
+            <a:endCxn id="3" idx="0"/>
+          </p:cNvCxnSpPr>
+          <p:nvPr/>
+        </p:nvCxnSpPr>
+        <p:spPr>
+          <a:xfrm rot="5400000">
+            <a:off x="10070972" y="1718569"/>
+            <a:ext cx="454243" cy="12700"/>
+          </a:xfrm>
+          <a:prstGeom prst="curvedConnector3">
+            <a:avLst/>
+          </a:prstGeom>
+          <a:ln>
+            <a:tailEnd type="triangle"/>
+          </a:ln>
+        </p:spPr>
+        <p:style>
+          <a:lnRef idx="1">
+            <a:schemeClr val="accent1"/>
+          </a:lnRef>
+          <a:fillRef idx="0">
+            <a:schemeClr val="accent1"/>
+          </a:fillRef>
+          <a:effectRef idx="0">
+            <a:schemeClr val="accent1"/>
+          </a:effectRef>
+          <a:fontRef idx="minor">
+            <a:schemeClr val="tx1"/>
+          </a:fontRef>
+        </p:style>
+      </p:cxnSp>
+      <p:sp>
+        <p:nvSpPr>
+          <p:cNvPr id="6" name="椭圆 5">
+            <a:extLst>
+              <a:ext uri="{FF2B5EF4-FFF2-40B4-BE49-F238E27FC236}">
+                <a16:creationId xmlns:a16="http://schemas.microsoft.com/office/drawing/2014/main" id="{C58025C8-84E2-1E9D-D0E9-12AB772A6359}"/>
+              </a:ext>
+            </a:extLst>
+          </p:cNvPr>
+          <p:cNvSpPr/>
+          <p:nvPr/>
+        </p:nvSpPr>
+        <p:spPr>
+          <a:xfrm>
+            <a:off x="7343304" y="772357"/>
+            <a:ext cx="719091" cy="719091"/>
+          </a:xfrm>
+          <a:prstGeom prst="ellipse">
+            <a:avLst/>
+          </a:prstGeom>
+        </p:spPr>
+        <p:style>
+          <a:lnRef idx="2">
+            <a:schemeClr val="accent1">
+              <a:shade val="50000"/>
+            </a:schemeClr>
+          </a:lnRef>
+          <a:fillRef idx="1">
+            <a:schemeClr val="accent1"/>
+          </a:fillRef>
+          <a:effectRef idx="0">
+            <a:schemeClr val="accent1"/>
+          </a:effectRef>
+          <a:fontRef idx="minor">
+            <a:schemeClr val="lt1"/>
+          </a:fontRef>
+        </p:style>
+        <p:txBody>
+          <a:bodyPr rtlCol="0" anchor="ctr"/>
+          <a:lstStyle/>
+          <a:p>
+            <a:pPr algn="ctr"/>
+            <a:r>
+              <a:rPr lang="en-US" altLang="zh-CN" sz="1100" dirty="0"/>
+              <a:t>NUL</a:t>
+            </a:r>
+          </a:p>
+          <a:p>
+            <a:pPr algn="ctr"/>
+            <a:r>
+              <a:rPr lang="en-US" altLang="zh-CN" sz="1100" dirty="0"/>
+              <a:t>X</a:t>
+            </a:r>
+            <a:endParaRPr lang="zh-CN" altLang="en-US" sz="1100" dirty="0"/>
+          </a:p>
+        </p:txBody>
+      </p:sp>
+      <p:sp>
+        <p:nvSpPr>
+          <p:cNvPr id="7" name="椭圆 6">
+            <a:extLst>
+              <a:ext uri="{FF2B5EF4-FFF2-40B4-BE49-F238E27FC236}">
+                <a16:creationId xmlns:a16="http://schemas.microsoft.com/office/drawing/2014/main" id="{38C626B6-5BC1-3762-A3B3-DAFF574847C5}"/>
+              </a:ext>
+            </a:extLst>
+          </p:cNvPr>
+          <p:cNvSpPr/>
+          <p:nvPr/>
+        </p:nvSpPr>
+        <p:spPr>
+          <a:xfrm>
+            <a:off x="7343304" y="1945691"/>
+            <a:ext cx="719091" cy="719091"/>
+          </a:xfrm>
+          <a:prstGeom prst="ellipse">
+            <a:avLst/>
+          </a:prstGeom>
+        </p:spPr>
+        <p:style>
+          <a:lnRef idx="2">
+            <a:schemeClr val="accent1">
+              <a:shade val="50000"/>
+            </a:schemeClr>
+          </a:lnRef>
+          <a:fillRef idx="1">
+            <a:schemeClr val="accent1"/>
+          </a:fillRef>
+          <a:effectRef idx="0">
+            <a:schemeClr val="accent1"/>
+          </a:effectRef>
+          <a:fontRef idx="minor">
+            <a:schemeClr val="lt1"/>
+          </a:fontRef>
+        </p:style>
+        <p:txBody>
+          <a:bodyPr rtlCol="0" anchor="ctr"/>
+          <a:lstStyle/>
+          <a:p>
+            <a:pPr algn="ctr"/>
+            <a:r>
+              <a:rPr lang="en-US" altLang="zh-CN" sz="1100" dirty="0"/>
+              <a:t>MUL</a:t>
+            </a:r>
+          </a:p>
+          <a:p>
+            <a:pPr algn="ctr"/>
+            <a:r>
+              <a:rPr lang="en-US" altLang="zh-CN" sz="1100" dirty="0"/>
+              <a:t>X^2</a:t>
+            </a:r>
+            <a:endParaRPr lang="zh-CN" altLang="en-US" sz="1100" dirty="0"/>
+          </a:p>
+        </p:txBody>
+      </p:sp>
+      <p:sp>
+        <p:nvSpPr>
+          <p:cNvPr id="8" name="椭圆 7">
+            <a:extLst>
+              <a:ext uri="{FF2B5EF4-FFF2-40B4-BE49-F238E27FC236}">
+                <a16:creationId xmlns:a16="http://schemas.microsoft.com/office/drawing/2014/main" id="{B6C6758D-9EFC-6073-8090-914AF5352ED5}"/>
+              </a:ext>
+            </a:extLst>
+          </p:cNvPr>
+          <p:cNvSpPr/>
+          <p:nvPr/>
+        </p:nvSpPr>
+        <p:spPr>
+          <a:xfrm>
+            <a:off x="6510284" y="2808304"/>
+            <a:ext cx="719091" cy="719091"/>
+          </a:xfrm>
+          <a:prstGeom prst="ellipse">
+            <a:avLst/>
+          </a:prstGeom>
+        </p:spPr>
+        <p:style>
+          <a:lnRef idx="2">
+            <a:schemeClr val="accent1">
+              <a:shade val="50000"/>
+            </a:schemeClr>
+          </a:lnRef>
+          <a:fillRef idx="1">
+            <a:schemeClr val="accent1"/>
+          </a:fillRef>
+          <a:effectRef idx="0">
+            <a:schemeClr val="accent1"/>
+          </a:effectRef>
+          <a:fontRef idx="minor">
+            <a:schemeClr val="lt1"/>
+          </a:fontRef>
+        </p:style>
+        <p:txBody>
+          <a:bodyPr rtlCol="0" anchor="ctr"/>
+          <a:lstStyle/>
+          <a:p>
+            <a:pPr algn="ctr"/>
+            <a:r>
+              <a:rPr lang="en-US" altLang="zh-CN" sz="1100" dirty="0"/>
+              <a:t>MUL</a:t>
+            </a:r>
+          </a:p>
+          <a:p>
+            <a:pPr algn="ctr"/>
+            <a:r>
+              <a:rPr lang="en-US" altLang="zh-CN" sz="1100" dirty="0"/>
+              <a:t>X^3</a:t>
+            </a:r>
+            <a:endParaRPr lang="zh-CN" altLang="en-US" sz="1100" dirty="0"/>
+          </a:p>
+        </p:txBody>
+      </p:sp>
+      <p:cxnSp>
+        <p:nvCxnSpPr>
+          <p:cNvPr id="9" name="连接符: 曲线 8">
+            <a:extLst>
+              <a:ext uri="{FF2B5EF4-FFF2-40B4-BE49-F238E27FC236}">
+                <a16:creationId xmlns:a16="http://schemas.microsoft.com/office/drawing/2014/main" id="{DBFE09F2-E6A1-0438-6E08-EDEB41A88958}"/>
+              </a:ext>
+            </a:extLst>
+          </p:cNvPr>
+          <p:cNvCxnSpPr>
+            <a:stCxn id="7" idx="4"/>
+            <a:endCxn id="8" idx="6"/>
+          </p:cNvCxnSpPr>
+          <p:nvPr/>
+        </p:nvCxnSpPr>
+        <p:spPr>
+          <a:xfrm rot="5400000">
+            <a:off x="7214579" y="2679579"/>
+            <a:ext cx="503068" cy="473475"/>
+          </a:xfrm>
+          <a:prstGeom prst="curvedConnector2">
+            <a:avLst/>
+          </a:prstGeom>
+          <a:ln>
+            <a:tailEnd type="triangle"/>
+          </a:ln>
+        </p:spPr>
+        <p:style>
+          <a:lnRef idx="1">
+            <a:schemeClr val="accent1"/>
+          </a:lnRef>
+          <a:fillRef idx="0">
+            <a:schemeClr val="accent1"/>
+          </a:fillRef>
+          <a:effectRef idx="0">
+            <a:schemeClr val="accent1"/>
+          </a:effectRef>
+          <a:fontRef idx="minor">
+            <a:schemeClr val="tx1"/>
+          </a:fontRef>
+        </p:style>
+      </p:cxnSp>
+      <p:cxnSp>
+        <p:nvCxnSpPr>
+          <p:cNvPr id="10" name="连接符: 曲线 9">
+            <a:extLst>
+              <a:ext uri="{FF2B5EF4-FFF2-40B4-BE49-F238E27FC236}">
+                <a16:creationId xmlns:a16="http://schemas.microsoft.com/office/drawing/2014/main" id="{AFAB5CC1-3EA2-0E14-98FE-D1EF768FB033}"/>
+              </a:ext>
+            </a:extLst>
+          </p:cNvPr>
+          <p:cNvCxnSpPr>
+            <a:cxnSpLocks/>
+            <a:stCxn id="6" idx="3"/>
+            <a:endCxn id="8" idx="0"/>
+          </p:cNvCxnSpPr>
+          <p:nvPr/>
+        </p:nvCxnSpPr>
+        <p:spPr>
+          <a:xfrm rot="5400000">
+            <a:off x="6448139" y="1807831"/>
+            <a:ext cx="1422164" cy="578782"/>
+          </a:xfrm>
+          <a:prstGeom prst="curvedConnector3">
+            <a:avLst>
+              <a:gd name="adj1" fmla="val 50000"/>
+            </a:avLst>
+          </a:prstGeom>
+          <a:ln>
+            <a:tailEnd type="triangle"/>
+          </a:ln>
+        </p:spPr>
+        <p:style>
+          <a:lnRef idx="1">
+            <a:schemeClr val="accent1"/>
+          </a:lnRef>
+          <a:fillRef idx="0">
+            <a:schemeClr val="accent1"/>
+          </a:fillRef>
+          <a:effectRef idx="0">
+            <a:schemeClr val="accent1"/>
+          </a:effectRef>
+          <a:fontRef idx="minor">
+            <a:schemeClr val="tx1"/>
+          </a:fontRef>
+        </p:style>
+      </p:cxnSp>
+    </p:spTree>
+    <p:extLst>
+      <p:ext uri="{BB962C8B-B14F-4D97-AF65-F5344CB8AC3E}">
+        <p14:creationId xmlns:p14="http://schemas.microsoft.com/office/powerpoint/2010/main" val="1119926997"/>
+      </p:ext>
+    </p:extLst>
+  </p:cSld>
+  <p:clrMapOvr>
+    <a:masterClrMapping/>
+  </p:clrMapOvr>
+</p:sld>
+</file>
+
+<file path=ppt/slides/slide13.xml><?xml version="1.0" encoding="utf-8"?>
+<p:sld xmlns:a="http://schemas.openxmlformats.org/drawingml/2006/main" xmlns:r="http://schemas.openxmlformats.org/officeDocument/2006/relationships" xmlns:p="http://schemas.openxmlformats.org/presentationml/2006/main">
+  <p:cSld>
+    <p:spTree>
+      <p:nvGrpSpPr>
+        <p:cNvPr id="1" name=""/>
+        <p:cNvGrpSpPr/>
+        <p:nvPr/>
+      </p:nvGrpSpPr>
+      <p:grpSpPr>
+        <a:xfrm>
+          <a:off x="0" y="0"/>
+          <a:ext cx="0" cy="0"/>
+          <a:chOff x="0" y="0"/>
+          <a:chExt cx="0" cy="0"/>
+        </a:xfrm>
+      </p:grpSpPr>
+      <p:sp>
+        <p:nvSpPr>
+          <p:cNvPr id="4" name="灯片编号占位符 3">
+            <a:extLst>
+              <a:ext uri="{FF2B5EF4-FFF2-40B4-BE49-F238E27FC236}">
+                <a16:creationId xmlns:a16="http://schemas.microsoft.com/office/drawing/2014/main" id="{AE828391-B279-8E41-A69D-5A4E4B3F5BB5}"/>
+              </a:ext>
+            </a:extLst>
+          </p:cNvPr>
+          <p:cNvSpPr>
+            <a:spLocks noGrp="1"/>
+          </p:cNvSpPr>
+          <p:nvPr>
+            <p:ph type="sldNum" sz="quarter" idx="12"/>
+          </p:nvPr>
+        </p:nvSpPr>
+        <p:spPr/>
+        <p:txBody>
+          <a:bodyPr/>
+          <a:lstStyle/>
+          <a:p>
+            <a:fld id="{ADE361C3-C043-4A6E-BDCE-8DA1E7D90A3B}" type="slidenum">
+              <a:rPr lang="zh-CN" altLang="en-US" smtClean="0"/>
+              <a:t>13</a:t>
+            </a:fld>
+            <a:endParaRPr lang="zh-CN" altLang="en-US"/>
+          </a:p>
+        </p:txBody>
+      </p:sp>
+      <p:sp>
+        <p:nvSpPr>
+          <p:cNvPr id="78" name="椭圆 77">
+            <a:extLst>
+              <a:ext uri="{FF2B5EF4-FFF2-40B4-BE49-F238E27FC236}">
+                <a16:creationId xmlns:a16="http://schemas.microsoft.com/office/drawing/2014/main" id="{078BF326-8E2E-1335-5CE5-C460B300D35D}"/>
+              </a:ext>
+            </a:extLst>
+          </p:cNvPr>
+          <p:cNvSpPr/>
+          <p:nvPr/>
+        </p:nvSpPr>
+        <p:spPr>
+          <a:xfrm>
+            <a:off x="9374126" y="912358"/>
+            <a:ext cx="719091" cy="719091"/>
+          </a:xfrm>
+          <a:prstGeom prst="ellipse">
+            <a:avLst/>
+          </a:prstGeom>
+        </p:spPr>
+        <p:style>
+          <a:lnRef idx="2">
+            <a:schemeClr val="accent1">
+              <a:shade val="50000"/>
+            </a:schemeClr>
+          </a:lnRef>
+          <a:fillRef idx="1">
+            <a:schemeClr val="accent1"/>
+          </a:fillRef>
+          <a:effectRef idx="0">
+            <a:schemeClr val="accent1"/>
+          </a:effectRef>
+          <a:fontRef idx="minor">
+            <a:schemeClr val="lt1"/>
+          </a:fontRef>
+        </p:style>
+        <p:txBody>
+          <a:bodyPr rtlCol="0" anchor="ctr"/>
+          <a:lstStyle/>
+          <a:p>
+            <a:pPr algn="ctr"/>
+            <a:r>
+              <a:rPr lang="en-US" altLang="zh-CN" sz="1100" dirty="0"/>
+              <a:t>NUL</a:t>
+            </a:r>
+          </a:p>
+          <a:p>
+            <a:pPr algn="ctr"/>
+            <a:r>
+              <a:rPr lang="en-US" altLang="zh-CN" sz="1100" dirty="0"/>
+              <a:t>X</a:t>
+            </a:r>
+            <a:endParaRPr lang="zh-CN" altLang="en-US" sz="1100" dirty="0"/>
+          </a:p>
+        </p:txBody>
+      </p:sp>
+      <p:sp>
+        <p:nvSpPr>
+          <p:cNvPr id="80" name="椭圆 79">
+            <a:extLst>
+              <a:ext uri="{FF2B5EF4-FFF2-40B4-BE49-F238E27FC236}">
+                <a16:creationId xmlns:a16="http://schemas.microsoft.com/office/drawing/2014/main" id="{AC219E87-91B8-C119-56E9-EBEC886A27CA}"/>
+              </a:ext>
+            </a:extLst>
+          </p:cNvPr>
+          <p:cNvSpPr/>
+          <p:nvPr/>
+        </p:nvSpPr>
+        <p:spPr>
+          <a:xfrm>
+            <a:off x="8541106" y="2948305"/>
+            <a:ext cx="719091" cy="719091"/>
+          </a:xfrm>
+          <a:prstGeom prst="ellipse">
+            <a:avLst/>
+          </a:prstGeom>
+        </p:spPr>
+        <p:style>
+          <a:lnRef idx="2">
+            <a:schemeClr val="accent1">
+              <a:shade val="50000"/>
+            </a:schemeClr>
+          </a:lnRef>
+          <a:fillRef idx="1">
+            <a:schemeClr val="accent1"/>
+          </a:fillRef>
+          <a:effectRef idx="0">
+            <a:schemeClr val="accent1"/>
+          </a:effectRef>
+          <a:fontRef idx="minor">
+            <a:schemeClr val="lt1"/>
+          </a:fontRef>
+        </p:style>
+        <p:txBody>
+          <a:bodyPr rtlCol="0" anchor="ctr"/>
+          <a:lstStyle/>
+          <a:p>
+            <a:pPr algn="ctr"/>
+            <a:r>
+              <a:rPr lang="en-US" altLang="zh-CN" sz="1100" dirty="0"/>
+              <a:t>MUL</a:t>
+            </a:r>
+          </a:p>
+          <a:p>
+            <a:pPr algn="ctr"/>
+            <a:r>
+              <a:rPr lang="en-US" altLang="zh-CN" sz="1100" dirty="0"/>
+              <a:t>X^3</a:t>
+            </a:r>
+            <a:endParaRPr lang="zh-CN" altLang="en-US" sz="1100" dirty="0"/>
+          </a:p>
+        </p:txBody>
+      </p:sp>
+      <p:sp>
+        <p:nvSpPr>
+          <p:cNvPr id="84" name="椭圆 83">
+            <a:extLst>
+              <a:ext uri="{FF2B5EF4-FFF2-40B4-BE49-F238E27FC236}">
+                <a16:creationId xmlns:a16="http://schemas.microsoft.com/office/drawing/2014/main" id="{BCA9F66B-4D0D-E821-0F0B-25383352D9A8}"/>
+              </a:ext>
+            </a:extLst>
+          </p:cNvPr>
+          <p:cNvSpPr/>
+          <p:nvPr/>
+        </p:nvSpPr>
+        <p:spPr>
+          <a:xfrm>
+            <a:off x="7722353" y="3898574"/>
+            <a:ext cx="719091" cy="719091"/>
+          </a:xfrm>
+          <a:prstGeom prst="ellipse">
+            <a:avLst/>
+          </a:prstGeom>
+        </p:spPr>
+        <p:style>
+          <a:lnRef idx="2">
+            <a:schemeClr val="accent1">
+              <a:shade val="50000"/>
+            </a:schemeClr>
+          </a:lnRef>
+          <a:fillRef idx="1">
+            <a:schemeClr val="accent1"/>
+          </a:fillRef>
+          <a:effectRef idx="0">
+            <a:schemeClr val="accent1"/>
+          </a:effectRef>
+          <a:fontRef idx="minor">
+            <a:schemeClr val="lt1"/>
+          </a:fontRef>
+        </p:style>
+        <p:txBody>
+          <a:bodyPr rtlCol="0" anchor="ctr"/>
+          <a:lstStyle/>
+          <a:p>
+            <a:pPr algn="ctr"/>
+            <a:r>
+              <a:rPr lang="en-US" altLang="zh-CN" sz="1100" dirty="0"/>
+              <a:t>ADD</a:t>
+            </a:r>
+          </a:p>
+          <a:p>
+            <a:pPr algn="ctr"/>
+            <a:r>
+              <a:rPr lang="en-US" altLang="zh-CN" sz="1100" dirty="0"/>
+              <a:t>_</a:t>
+            </a:r>
+            <a:endParaRPr lang="zh-CN" altLang="en-US" sz="1100" dirty="0"/>
+          </a:p>
+        </p:txBody>
+      </p:sp>
+      <p:cxnSp>
+        <p:nvCxnSpPr>
+          <p:cNvPr id="85" name="连接符: 曲线 84">
+            <a:extLst>
+              <a:ext uri="{FF2B5EF4-FFF2-40B4-BE49-F238E27FC236}">
+                <a16:creationId xmlns:a16="http://schemas.microsoft.com/office/drawing/2014/main" id="{5D7ECF30-CCB6-3F50-2986-590FB635EE1B}"/>
+              </a:ext>
+            </a:extLst>
+          </p:cNvPr>
+          <p:cNvCxnSpPr>
+            <a:stCxn id="80" idx="3"/>
+            <a:endCxn id="84" idx="7"/>
+          </p:cNvCxnSpPr>
+          <p:nvPr/>
+        </p:nvCxnSpPr>
+        <p:spPr>
+          <a:xfrm rot="5400000">
+            <a:off x="8270378" y="3627846"/>
+            <a:ext cx="441794" cy="310278"/>
+          </a:xfrm>
+          <a:prstGeom prst="curvedConnector3">
+            <a:avLst/>
+          </a:prstGeom>
+          <a:ln>
+            <a:tailEnd type="triangle"/>
+          </a:ln>
+        </p:spPr>
+        <p:style>
+          <a:lnRef idx="1">
+            <a:schemeClr val="accent1"/>
+          </a:lnRef>
+          <a:fillRef idx="0">
+            <a:schemeClr val="accent1"/>
+          </a:fillRef>
+          <a:effectRef idx="0">
+            <a:schemeClr val="accent1"/>
+          </a:effectRef>
+          <a:fontRef idx="minor">
+            <a:schemeClr val="tx1"/>
+          </a:fontRef>
+        </p:style>
+      </p:cxnSp>
+      <p:cxnSp>
+        <p:nvCxnSpPr>
+          <p:cNvPr id="86" name="连接符: 曲线 85">
+            <a:extLst>
+              <a:ext uri="{FF2B5EF4-FFF2-40B4-BE49-F238E27FC236}">
+                <a16:creationId xmlns:a16="http://schemas.microsoft.com/office/drawing/2014/main" id="{6585000A-A840-684F-EE04-5A508A8B7AD2}"/>
+              </a:ext>
+            </a:extLst>
+          </p:cNvPr>
+          <p:cNvCxnSpPr>
+            <a:cxnSpLocks/>
+            <a:stCxn id="78" idx="2"/>
+            <a:endCxn id="88" idx="1"/>
+          </p:cNvCxnSpPr>
+          <p:nvPr/>
+        </p:nvCxnSpPr>
+        <p:spPr>
+          <a:xfrm rot="10800000" flipV="1">
+            <a:off x="6755532" y="1271903"/>
+            <a:ext cx="2618594" cy="3341323"/>
+          </a:xfrm>
+          <a:prstGeom prst="curvedConnector2">
+            <a:avLst/>
+          </a:prstGeom>
+          <a:ln>
+            <a:tailEnd type="triangle"/>
+          </a:ln>
+        </p:spPr>
+        <p:style>
+          <a:lnRef idx="1">
+            <a:schemeClr val="accent1"/>
+          </a:lnRef>
+          <a:fillRef idx="0">
+            <a:schemeClr val="accent1"/>
+          </a:fillRef>
+          <a:effectRef idx="0">
+            <a:schemeClr val="accent1"/>
+          </a:effectRef>
+          <a:fontRef idx="minor">
+            <a:schemeClr val="tx1"/>
+          </a:fontRef>
+        </p:style>
+      </p:cxnSp>
+      <p:sp>
+        <p:nvSpPr>
+          <p:cNvPr id="87" name="椭圆 86">
+            <a:extLst>
+              <a:ext uri="{FF2B5EF4-FFF2-40B4-BE49-F238E27FC236}">
+                <a16:creationId xmlns:a16="http://schemas.microsoft.com/office/drawing/2014/main" id="{8D8F532F-823A-7ADC-1102-45FF9687F390}"/>
+              </a:ext>
+            </a:extLst>
+          </p:cNvPr>
+          <p:cNvSpPr/>
+          <p:nvPr/>
+        </p:nvSpPr>
+        <p:spPr>
+          <a:xfrm>
+            <a:off x="7608423" y="2872831"/>
+            <a:ext cx="719091" cy="719091"/>
+          </a:xfrm>
+          <a:prstGeom prst="ellipse">
+            <a:avLst/>
+          </a:prstGeom>
+        </p:spPr>
+        <p:style>
+          <a:lnRef idx="2">
+            <a:schemeClr val="accent1">
+              <a:shade val="50000"/>
+            </a:schemeClr>
+          </a:lnRef>
+          <a:fillRef idx="1">
+            <a:schemeClr val="accent1"/>
+          </a:fillRef>
+          <a:effectRef idx="0">
+            <a:schemeClr val="accent1"/>
+          </a:effectRef>
+          <a:fontRef idx="minor">
+            <a:schemeClr val="lt1"/>
+          </a:fontRef>
+        </p:style>
+        <p:txBody>
+          <a:bodyPr rtlCol="0" anchor="ctr"/>
+          <a:lstStyle/>
+          <a:p>
+            <a:pPr algn="ctr"/>
+            <a:r>
+              <a:rPr lang="en-US" altLang="zh-CN" sz="900" dirty="0"/>
+              <a:t>~ONE</a:t>
+            </a:r>
+          </a:p>
+          <a:p>
+            <a:pPr algn="ctr"/>
+            <a:r>
+              <a:rPr lang="en-US" altLang="zh-CN" sz="1100" dirty="0"/>
+              <a:t>5</a:t>
+            </a:r>
+          </a:p>
+        </p:txBody>
+      </p:sp>
+      <p:sp>
+        <p:nvSpPr>
+          <p:cNvPr id="88" name="椭圆 87">
+            <a:extLst>
+              <a:ext uri="{FF2B5EF4-FFF2-40B4-BE49-F238E27FC236}">
+                <a16:creationId xmlns:a16="http://schemas.microsoft.com/office/drawing/2014/main" id="{4CA4EB5D-52F1-FC9B-67EF-9BE925DE5818}"/>
+              </a:ext>
+            </a:extLst>
+          </p:cNvPr>
+          <p:cNvSpPr/>
+          <p:nvPr/>
+        </p:nvSpPr>
+        <p:spPr>
+          <a:xfrm>
+            <a:off x="6650224" y="4507919"/>
+            <a:ext cx="719091" cy="719091"/>
+          </a:xfrm>
+          <a:prstGeom prst="ellipse">
+            <a:avLst/>
+          </a:prstGeom>
+        </p:spPr>
+        <p:style>
+          <a:lnRef idx="2">
+            <a:schemeClr val="accent1">
+              <a:shade val="50000"/>
+            </a:schemeClr>
+          </a:lnRef>
+          <a:fillRef idx="1">
+            <a:schemeClr val="accent1"/>
+          </a:fillRef>
+          <a:effectRef idx="0">
+            <a:schemeClr val="accent1"/>
+          </a:effectRef>
+          <a:fontRef idx="minor">
+            <a:schemeClr val="lt1"/>
+          </a:fontRef>
+        </p:style>
+        <p:txBody>
+          <a:bodyPr rtlCol="0" anchor="ctr"/>
+          <a:lstStyle/>
+          <a:p>
+            <a:pPr algn="ctr"/>
+            <a:r>
+              <a:rPr lang="en-US" altLang="zh-CN" sz="1100" dirty="0"/>
+              <a:t>ADD</a:t>
+            </a:r>
+          </a:p>
+          <a:p>
+            <a:pPr algn="ctr"/>
+            <a:r>
+              <a:rPr lang="en-US" altLang="zh-CN" sz="1100" dirty="0"/>
+              <a:t>_</a:t>
+            </a:r>
+            <a:endParaRPr lang="zh-CN" altLang="en-US" sz="1100" dirty="0"/>
+          </a:p>
+        </p:txBody>
+      </p:sp>
+      <p:cxnSp>
+        <p:nvCxnSpPr>
+          <p:cNvPr id="89" name="连接符: 曲线 88">
+            <a:extLst>
+              <a:ext uri="{FF2B5EF4-FFF2-40B4-BE49-F238E27FC236}">
+                <a16:creationId xmlns:a16="http://schemas.microsoft.com/office/drawing/2014/main" id="{780B3944-EF57-B1CE-CCD9-F303049B2894}"/>
+              </a:ext>
+            </a:extLst>
+          </p:cNvPr>
+          <p:cNvCxnSpPr>
+            <a:cxnSpLocks/>
+            <a:stCxn id="87" idx="4"/>
+            <a:endCxn id="84" idx="0"/>
+          </p:cNvCxnSpPr>
+          <p:nvPr/>
+        </p:nvCxnSpPr>
+        <p:spPr>
+          <a:xfrm rot="16200000" flipH="1">
+            <a:off x="7871608" y="3688283"/>
+            <a:ext cx="306652" cy="113930"/>
+          </a:xfrm>
+          <a:prstGeom prst="curvedConnector3">
+            <a:avLst>
+              <a:gd name="adj1" fmla="val 50000"/>
+            </a:avLst>
+          </a:prstGeom>
+          <a:ln>
+            <a:tailEnd type="triangle"/>
+          </a:ln>
+        </p:spPr>
+        <p:style>
+          <a:lnRef idx="1">
+            <a:schemeClr val="accent1"/>
+          </a:lnRef>
+          <a:fillRef idx="0">
+            <a:schemeClr val="accent1"/>
+          </a:fillRef>
+          <a:effectRef idx="0">
+            <a:schemeClr val="accent1"/>
+          </a:effectRef>
+          <a:fontRef idx="minor">
+            <a:schemeClr val="tx1"/>
+          </a:fontRef>
+        </p:style>
+      </p:cxnSp>
+      <p:cxnSp>
+        <p:nvCxnSpPr>
+          <p:cNvPr id="90" name="连接符: 曲线 89">
+            <a:extLst>
+              <a:ext uri="{FF2B5EF4-FFF2-40B4-BE49-F238E27FC236}">
+                <a16:creationId xmlns:a16="http://schemas.microsoft.com/office/drawing/2014/main" id="{B6FF64DA-36B4-8194-B46B-780CC1451743}"/>
+              </a:ext>
+            </a:extLst>
+          </p:cNvPr>
+          <p:cNvCxnSpPr>
+            <a:cxnSpLocks/>
+            <a:stCxn id="84" idx="2"/>
+            <a:endCxn id="88" idx="7"/>
+          </p:cNvCxnSpPr>
+          <p:nvPr/>
+        </p:nvCxnSpPr>
+        <p:spPr>
+          <a:xfrm rot="10800000" flipV="1">
+            <a:off x="7264007" y="4258119"/>
+            <a:ext cx="458346" cy="355107"/>
+          </a:xfrm>
+          <a:prstGeom prst="curvedConnector2">
+            <a:avLst/>
+          </a:prstGeom>
+          <a:ln>
+            <a:tailEnd type="triangle"/>
+          </a:ln>
+        </p:spPr>
+        <p:style>
+          <a:lnRef idx="1">
+            <a:schemeClr val="accent1"/>
+          </a:lnRef>
+          <a:fillRef idx="0">
+            <a:schemeClr val="accent1"/>
+          </a:fillRef>
+          <a:effectRef idx="0">
+            <a:schemeClr val="accent1"/>
+          </a:effectRef>
+          <a:fontRef idx="minor">
+            <a:schemeClr val="tx1"/>
+          </a:fontRef>
+        </p:style>
+      </p:cxnSp>
+      <p:sp>
+        <p:nvSpPr>
+          <p:cNvPr id="2" name="椭圆 1">
+            <a:extLst>
+              <a:ext uri="{FF2B5EF4-FFF2-40B4-BE49-F238E27FC236}">
+                <a16:creationId xmlns:a16="http://schemas.microsoft.com/office/drawing/2014/main" id="{2BFC3874-25FE-C5B3-D864-D23839B9342F}"/>
+              </a:ext>
+            </a:extLst>
+          </p:cNvPr>
+          <p:cNvSpPr/>
+          <p:nvPr/>
+        </p:nvSpPr>
+        <p:spPr>
+          <a:xfrm>
+            <a:off x="1643155" y="912357"/>
+            <a:ext cx="719091" cy="719091"/>
+          </a:xfrm>
+          <a:prstGeom prst="ellipse">
+            <a:avLst/>
+          </a:prstGeom>
+        </p:spPr>
+        <p:style>
+          <a:lnRef idx="2">
+            <a:schemeClr val="accent1">
+              <a:shade val="50000"/>
+            </a:schemeClr>
+          </a:lnRef>
+          <a:fillRef idx="1">
+            <a:schemeClr val="accent1"/>
+          </a:fillRef>
+          <a:effectRef idx="0">
+            <a:schemeClr val="accent1"/>
+          </a:effectRef>
+          <a:fontRef idx="minor">
+            <a:schemeClr val="lt1"/>
+          </a:fontRef>
+        </p:style>
+        <p:txBody>
+          <a:bodyPr rtlCol="0" anchor="ctr"/>
+          <a:lstStyle/>
+          <a:p>
+            <a:pPr algn="ctr"/>
+            <a:r>
+              <a:rPr lang="en-US" altLang="zh-CN" sz="1100" dirty="0"/>
+              <a:t>NUL</a:t>
+            </a:r>
+          </a:p>
+          <a:p>
+            <a:pPr algn="ctr"/>
+            <a:r>
+              <a:rPr lang="en-US" altLang="zh-CN" sz="1100" dirty="0"/>
+              <a:t>X</a:t>
+            </a:r>
+            <a:endParaRPr lang="zh-CN" altLang="en-US" sz="1100" dirty="0"/>
+          </a:p>
+        </p:txBody>
+      </p:sp>
+      <p:sp>
+        <p:nvSpPr>
+          <p:cNvPr id="3" name="椭圆 2">
+            <a:extLst>
+              <a:ext uri="{FF2B5EF4-FFF2-40B4-BE49-F238E27FC236}">
+                <a16:creationId xmlns:a16="http://schemas.microsoft.com/office/drawing/2014/main" id="{E4590C94-C7F6-1343-E9EC-B29CB87C7D9F}"/>
+              </a:ext>
+            </a:extLst>
+          </p:cNvPr>
+          <p:cNvSpPr/>
+          <p:nvPr/>
+        </p:nvSpPr>
+        <p:spPr>
+          <a:xfrm>
+            <a:off x="1643155" y="2085691"/>
+            <a:ext cx="719091" cy="719091"/>
+          </a:xfrm>
+          <a:prstGeom prst="ellipse">
+            <a:avLst/>
+          </a:prstGeom>
+        </p:spPr>
+        <p:style>
+          <a:lnRef idx="2">
+            <a:schemeClr val="accent1">
+              <a:shade val="50000"/>
+            </a:schemeClr>
+          </a:lnRef>
+          <a:fillRef idx="1">
+            <a:schemeClr val="accent1"/>
+          </a:fillRef>
+          <a:effectRef idx="0">
+            <a:schemeClr val="accent1"/>
+          </a:effectRef>
+          <a:fontRef idx="minor">
+            <a:schemeClr val="lt1"/>
+          </a:fontRef>
+        </p:style>
+        <p:txBody>
+          <a:bodyPr rtlCol="0" anchor="ctr"/>
+          <a:lstStyle/>
+          <a:p>
+            <a:pPr algn="ctr"/>
+            <a:r>
+              <a:rPr lang="en-US" altLang="zh-CN" sz="1100" dirty="0"/>
+              <a:t>MUL</a:t>
+            </a:r>
+          </a:p>
+          <a:p>
+            <a:pPr algn="ctr"/>
+            <a:r>
+              <a:rPr lang="en-US" altLang="zh-CN" sz="1100" dirty="0"/>
+              <a:t>X^2</a:t>
+            </a:r>
+            <a:endParaRPr lang="zh-CN" altLang="en-US" sz="1100" dirty="0"/>
+          </a:p>
+        </p:txBody>
+      </p:sp>
+      <p:cxnSp>
+        <p:nvCxnSpPr>
+          <p:cNvPr id="5" name="连接符: 曲线 4">
+            <a:extLst>
+              <a:ext uri="{FF2B5EF4-FFF2-40B4-BE49-F238E27FC236}">
+                <a16:creationId xmlns:a16="http://schemas.microsoft.com/office/drawing/2014/main" id="{0BE9761D-EB65-160F-EBC6-AB3B3131A4BB}"/>
+              </a:ext>
+            </a:extLst>
+          </p:cNvPr>
+          <p:cNvCxnSpPr>
+            <a:stCxn id="2" idx="4"/>
+            <a:endCxn id="3" idx="0"/>
+          </p:cNvCxnSpPr>
+          <p:nvPr/>
+        </p:nvCxnSpPr>
+        <p:spPr>
+          <a:xfrm rot="5400000">
+            <a:off x="1775580" y="1858569"/>
+            <a:ext cx="454243" cy="12700"/>
+          </a:xfrm>
+          <a:prstGeom prst="curvedConnector3">
+            <a:avLst/>
+          </a:prstGeom>
+          <a:ln>
+            <a:tailEnd type="triangle"/>
+          </a:ln>
+        </p:spPr>
+        <p:style>
+          <a:lnRef idx="1">
+            <a:schemeClr val="accent1"/>
+          </a:lnRef>
+          <a:fillRef idx="0">
+            <a:schemeClr val="accent1"/>
+          </a:fillRef>
+          <a:effectRef idx="0">
+            <a:schemeClr val="accent1"/>
+          </a:effectRef>
+          <a:fontRef idx="minor">
+            <a:schemeClr val="tx1"/>
+          </a:fontRef>
+        </p:style>
+      </p:cxnSp>
+      <p:sp>
+        <p:nvSpPr>
+          <p:cNvPr id="10" name="椭圆 9">
+            <a:extLst>
+              <a:ext uri="{FF2B5EF4-FFF2-40B4-BE49-F238E27FC236}">
+                <a16:creationId xmlns:a16="http://schemas.microsoft.com/office/drawing/2014/main" id="{D1B2C9B7-2DAF-8CDD-9E10-5077AB4B4291}"/>
+              </a:ext>
+            </a:extLst>
+          </p:cNvPr>
+          <p:cNvSpPr/>
+          <p:nvPr/>
+        </p:nvSpPr>
+        <p:spPr>
+          <a:xfrm>
+            <a:off x="4803980" y="912357"/>
+            <a:ext cx="719091" cy="719091"/>
+          </a:xfrm>
+          <a:prstGeom prst="ellipse">
+            <a:avLst/>
+          </a:prstGeom>
+        </p:spPr>
+        <p:style>
+          <a:lnRef idx="2">
+            <a:schemeClr val="accent1">
+              <a:shade val="50000"/>
+            </a:schemeClr>
+          </a:lnRef>
+          <a:fillRef idx="1">
+            <a:schemeClr val="accent1"/>
+          </a:fillRef>
+          <a:effectRef idx="0">
+            <a:schemeClr val="accent1"/>
+          </a:effectRef>
+          <a:fontRef idx="minor">
+            <a:schemeClr val="lt1"/>
+          </a:fontRef>
+        </p:style>
+        <p:txBody>
+          <a:bodyPr rtlCol="0" anchor="ctr"/>
+          <a:lstStyle/>
+          <a:p>
+            <a:pPr algn="ctr"/>
+            <a:r>
+              <a:rPr lang="en-US" altLang="zh-CN" sz="1100" dirty="0"/>
+              <a:t>NUL</a:t>
+            </a:r>
+          </a:p>
+          <a:p>
+            <a:pPr algn="ctr"/>
+            <a:r>
+              <a:rPr lang="en-US" altLang="zh-CN" sz="1100" dirty="0"/>
+              <a:t>X</a:t>
+            </a:r>
+            <a:endParaRPr lang="zh-CN" altLang="en-US" sz="1100" dirty="0"/>
+          </a:p>
+        </p:txBody>
+      </p:sp>
+      <p:sp>
+        <p:nvSpPr>
+          <p:cNvPr id="11" name="椭圆 10">
+            <a:extLst>
+              <a:ext uri="{FF2B5EF4-FFF2-40B4-BE49-F238E27FC236}">
+                <a16:creationId xmlns:a16="http://schemas.microsoft.com/office/drawing/2014/main" id="{00CC65B1-F29E-5A46-CAFF-F27993EBC538}"/>
+              </a:ext>
+            </a:extLst>
+          </p:cNvPr>
+          <p:cNvSpPr/>
+          <p:nvPr/>
+        </p:nvSpPr>
+        <p:spPr>
+          <a:xfrm>
+            <a:off x="4803980" y="2085691"/>
+            <a:ext cx="719091" cy="719091"/>
+          </a:xfrm>
+          <a:prstGeom prst="ellipse">
+            <a:avLst/>
+          </a:prstGeom>
+        </p:spPr>
+        <p:style>
+          <a:lnRef idx="2">
+            <a:schemeClr val="accent1">
+              <a:shade val="50000"/>
+            </a:schemeClr>
+          </a:lnRef>
+          <a:fillRef idx="1">
+            <a:schemeClr val="accent1"/>
+          </a:fillRef>
+          <a:effectRef idx="0">
+            <a:schemeClr val="accent1"/>
+          </a:effectRef>
+          <a:fontRef idx="minor">
+            <a:schemeClr val="lt1"/>
+          </a:fontRef>
+        </p:style>
+        <p:txBody>
+          <a:bodyPr rtlCol="0" anchor="ctr"/>
+          <a:lstStyle/>
+          <a:p>
+            <a:pPr algn="ctr"/>
+            <a:r>
+              <a:rPr lang="en-US" altLang="zh-CN" sz="1100" dirty="0"/>
+              <a:t>MUL</a:t>
+            </a:r>
+          </a:p>
+          <a:p>
+            <a:pPr algn="ctr"/>
+            <a:r>
+              <a:rPr lang="en-US" altLang="zh-CN" sz="1100" dirty="0"/>
+              <a:t>X^2</a:t>
+            </a:r>
+            <a:endParaRPr lang="zh-CN" altLang="en-US" sz="1100" dirty="0"/>
+          </a:p>
+        </p:txBody>
+      </p:sp>
+      <p:sp>
+        <p:nvSpPr>
+          <p:cNvPr id="12" name="椭圆 11">
+            <a:extLst>
+              <a:ext uri="{FF2B5EF4-FFF2-40B4-BE49-F238E27FC236}">
+                <a16:creationId xmlns:a16="http://schemas.microsoft.com/office/drawing/2014/main" id="{1DC36878-EA35-A243-F7BF-889E9AE99579}"/>
+              </a:ext>
+            </a:extLst>
+          </p:cNvPr>
+          <p:cNvSpPr/>
+          <p:nvPr/>
+        </p:nvSpPr>
+        <p:spPr>
+          <a:xfrm>
+            <a:off x="3970960" y="2948304"/>
+            <a:ext cx="719091" cy="719091"/>
+          </a:xfrm>
+          <a:prstGeom prst="ellipse">
+            <a:avLst/>
+          </a:prstGeom>
+        </p:spPr>
+        <p:style>
+          <a:lnRef idx="2">
+            <a:schemeClr val="accent1">
+              <a:shade val="50000"/>
+            </a:schemeClr>
+          </a:lnRef>
+          <a:fillRef idx="1">
+            <a:schemeClr val="accent1"/>
+          </a:fillRef>
+          <a:effectRef idx="0">
+            <a:schemeClr val="accent1"/>
+          </a:effectRef>
+          <a:fontRef idx="minor">
+            <a:schemeClr val="lt1"/>
+          </a:fontRef>
+        </p:style>
+        <p:txBody>
+          <a:bodyPr rtlCol="0" anchor="ctr"/>
+          <a:lstStyle/>
+          <a:p>
+            <a:pPr algn="ctr"/>
+            <a:r>
+              <a:rPr lang="en-US" altLang="zh-CN" sz="1100" dirty="0"/>
+              <a:t>MUL</a:t>
+            </a:r>
+          </a:p>
+          <a:p>
+            <a:pPr algn="ctr"/>
+            <a:r>
+              <a:rPr lang="en-US" altLang="zh-CN" sz="1100" dirty="0"/>
+              <a:t>X^3</a:t>
+            </a:r>
+            <a:endParaRPr lang="zh-CN" altLang="en-US" sz="1100" dirty="0"/>
+          </a:p>
+        </p:txBody>
+      </p:sp>
+      <p:cxnSp>
+        <p:nvCxnSpPr>
+          <p:cNvPr id="13" name="连接符: 曲线 12">
+            <a:extLst>
+              <a:ext uri="{FF2B5EF4-FFF2-40B4-BE49-F238E27FC236}">
+                <a16:creationId xmlns:a16="http://schemas.microsoft.com/office/drawing/2014/main" id="{6667C2A2-52EE-8717-3AF5-A635A0EF8BBD}"/>
+              </a:ext>
+            </a:extLst>
+          </p:cNvPr>
+          <p:cNvCxnSpPr>
+            <a:stCxn id="11" idx="4"/>
+            <a:endCxn id="12" idx="6"/>
+          </p:cNvCxnSpPr>
+          <p:nvPr/>
+        </p:nvCxnSpPr>
+        <p:spPr>
+          <a:xfrm rot="5400000">
+            <a:off x="4675255" y="2819579"/>
+            <a:ext cx="503068" cy="473475"/>
+          </a:xfrm>
+          <a:prstGeom prst="curvedConnector2">
+            <a:avLst/>
+          </a:prstGeom>
+          <a:ln>
+            <a:tailEnd type="triangle"/>
+          </a:ln>
+        </p:spPr>
+        <p:style>
+          <a:lnRef idx="1">
+            <a:schemeClr val="accent1"/>
+          </a:lnRef>
+          <a:fillRef idx="0">
+            <a:schemeClr val="accent1"/>
+          </a:fillRef>
+          <a:effectRef idx="0">
+            <a:schemeClr val="accent1"/>
+          </a:effectRef>
+          <a:fontRef idx="minor">
+            <a:schemeClr val="tx1"/>
+          </a:fontRef>
+        </p:style>
+      </p:cxnSp>
+      <p:cxnSp>
+        <p:nvCxnSpPr>
+          <p:cNvPr id="14" name="连接符: 曲线 13">
+            <a:extLst>
+              <a:ext uri="{FF2B5EF4-FFF2-40B4-BE49-F238E27FC236}">
+                <a16:creationId xmlns:a16="http://schemas.microsoft.com/office/drawing/2014/main" id="{7B3DA191-5BBC-F60E-B73B-D7D92CFFE9CB}"/>
+              </a:ext>
+            </a:extLst>
+          </p:cNvPr>
+          <p:cNvCxnSpPr>
+            <a:cxnSpLocks/>
+            <a:stCxn id="10" idx="3"/>
+            <a:endCxn id="12" idx="0"/>
+          </p:cNvCxnSpPr>
+          <p:nvPr/>
+        </p:nvCxnSpPr>
+        <p:spPr>
+          <a:xfrm rot="5400000">
+            <a:off x="3908815" y="1947831"/>
+            <a:ext cx="1422164" cy="578782"/>
+          </a:xfrm>
+          <a:prstGeom prst="curvedConnector3">
+            <a:avLst>
+              <a:gd name="adj1" fmla="val 50000"/>
+            </a:avLst>
+          </a:prstGeom>
+          <a:ln>
+            <a:tailEnd type="triangle"/>
+          </a:ln>
+        </p:spPr>
+        <p:style>
+          <a:lnRef idx="1">
+            <a:schemeClr val="accent1"/>
+          </a:lnRef>
+          <a:fillRef idx="0">
+            <a:schemeClr val="accent1"/>
+          </a:fillRef>
+          <a:effectRef idx="0">
+            <a:schemeClr val="accent1"/>
+          </a:effectRef>
+          <a:fontRef idx="minor">
+            <a:schemeClr val="tx1"/>
+          </a:fontRef>
+        </p:style>
+      </p:cxnSp>
+    </p:spTree>
+    <p:extLst>
+      <p:ext uri="{BB962C8B-B14F-4D97-AF65-F5344CB8AC3E}">
+        <p14:creationId xmlns:p14="http://schemas.microsoft.com/office/powerpoint/2010/main" val="3828835867"/>
+      </p:ext>
+    </p:extLst>
+  </p:cSld>
+  <p:clrMapOvr>
+    <a:masterClrMapping/>
+  </p:clrMapOvr>
+</p:sld>
+</file>
+
+<file path=ppt/slides/slide14.xml><?xml version="1.0" encoding="utf-8"?>
+<p:sld xmlns:a="http://schemas.openxmlformats.org/drawingml/2006/main" xmlns:r="http://schemas.openxmlformats.org/officeDocument/2006/relationships" xmlns:p="http://schemas.openxmlformats.org/presentationml/2006/main">
+  <p:cSld>
+    <p:spTree>
+      <p:nvGrpSpPr>
+        <p:cNvPr id="1" name=""/>
+        <p:cNvGrpSpPr/>
+        <p:nvPr/>
+      </p:nvGrpSpPr>
+      <p:grpSpPr>
+        <a:xfrm>
+          <a:off x="0" y="0"/>
+          <a:ext cx="0" cy="0"/>
+          <a:chOff x="0" y="0"/>
+          <a:chExt cx="0" cy="0"/>
+        </a:xfrm>
+      </p:grpSpPr>
+      <p:sp>
+        <p:nvSpPr>
+          <p:cNvPr id="5" name="标题 4">
+            <a:extLst>
+              <a:ext uri="{FF2B5EF4-FFF2-40B4-BE49-F238E27FC236}">
+                <a16:creationId xmlns:a16="http://schemas.microsoft.com/office/drawing/2014/main" id="{7C3CFBB2-29A4-9845-909C-D2C6211C1301}"/>
+              </a:ext>
+            </a:extLst>
+          </p:cNvPr>
+          <p:cNvSpPr>
+            <a:spLocks noGrp="1"/>
+          </p:cNvSpPr>
+          <p:nvPr>
+            <p:ph type="title"/>
+          </p:nvPr>
+        </p:nvSpPr>
+        <p:spPr/>
+        <p:txBody>
+          <a:bodyPr/>
+          <a:lstStyle/>
+          <a:p>
+            <a:r>
+              <a:rPr kumimoji="1" lang="zh-CN" altLang="en-US" b="1" dirty="0"/>
+              <a:t>第三阶段</a:t>
+            </a:r>
+          </a:p>
+        </p:txBody>
+      </p:sp>
+      <p:sp>
+        <p:nvSpPr>
+          <p:cNvPr id="6" name="文本占位符 5">
+            <a:extLst>
+              <a:ext uri="{FF2B5EF4-FFF2-40B4-BE49-F238E27FC236}">
+                <a16:creationId xmlns:a16="http://schemas.microsoft.com/office/drawing/2014/main" id="{88326478-0DD6-F849-B334-5BDB7DEEC82C}"/>
+              </a:ext>
+            </a:extLst>
+          </p:cNvPr>
+          <p:cNvSpPr>
+            <a:spLocks noGrp="1"/>
+          </p:cNvSpPr>
+          <p:nvPr>
+            <p:ph type="body" idx="1"/>
+          </p:nvPr>
+        </p:nvSpPr>
+        <p:spPr/>
+        <p:txBody>
+          <a:bodyPr/>
+          <a:lstStyle/>
+          <a:p>
+            <a:endParaRPr kumimoji="1" lang="zh-CN" altLang="en-US"/>
+          </a:p>
+        </p:txBody>
+      </p:sp>
+    </p:spTree>
+    <p:extLst>
+      <p:ext uri="{BB962C8B-B14F-4D97-AF65-F5344CB8AC3E}">
+        <p14:creationId xmlns:p14="http://schemas.microsoft.com/office/powerpoint/2010/main" val="347350649"/>
+      </p:ext>
+    </p:extLst>
+  </p:cSld>
+  <p:clrMapOvr>
+    <a:masterClrMapping/>
+  </p:clrMapOvr>
+</p:sld>
+</file>
+
+<file path=ppt/slides/slide15.xml><?xml version="1.0" encoding="utf-8"?>
+<p:sld xmlns:a="http://schemas.openxmlformats.org/drawingml/2006/main" xmlns:r="http://schemas.openxmlformats.org/officeDocument/2006/relationships" xmlns:p="http://schemas.openxmlformats.org/presentationml/2006/main">
+  <p:cSld>
+    <p:spTree>
+      <p:nvGrpSpPr>
+        <p:cNvPr id="1" name=""/>
+        <p:cNvGrpSpPr/>
+        <p:nvPr/>
+      </p:nvGrpSpPr>
+      <p:grpSpPr>
+        <a:xfrm>
+          <a:off x="0" y="0"/>
+          <a:ext cx="0" cy="0"/>
+          <a:chOff x="0" y="0"/>
+          <a:chExt cx="0" cy="0"/>
+        </a:xfrm>
+      </p:grpSpPr>
+      <p:sp>
+        <p:nvSpPr>
           <p:cNvPr id="2" name="标题 1">
             <a:extLst>
               <a:ext uri="{FF2B5EF4-FFF2-40B4-BE49-F238E27FC236}">
@@ -9094,7 +12292,7 @@
                 </a:solidFill>
               </a:rPr>
               <a:pPr defTabSz="1097280"/>
-              <a:t>12</a:t>
+              <a:t>15</a:t>
             </a:fld>
             <a:endParaRPr lang="zh-CN" altLang="en-US">
               <a:solidFill>
@@ -9119,7 +12317,7 @@
 </p:sld>
 </file>
 
-<file path=ppt/slides/slide13.xml><?xml version="1.0" encoding="utf-8"?>
+<file path=ppt/slides/slide16.xml><?xml version="1.0" encoding="utf-8"?>
 <p:sld xmlns:a="http://schemas.openxmlformats.org/drawingml/2006/main" xmlns:r="http://schemas.openxmlformats.org/officeDocument/2006/relationships" xmlns:p="http://schemas.openxmlformats.org/presentationml/2006/main">
   <p:cSld>
     <p:spTree>

--- a/meeting_docs/0302进度会议/进度会议PPT.pptx
+++ b/meeting_docs/0302进度会议/进度会议PPT.pptx
@@ -214,7 +214,7 @@
           <a:p>
             <a:fld id="{68E75791-964B-4C63-BFCE-0ED49BE326E8}" type="datetimeFigureOut">
               <a:rPr lang="zh-CN" altLang="en-US" smtClean="0"/>
-              <a:t>2023/3/14</a:t>
+              <a:t>2023/4/1</a:t>
             </a:fld>
             <a:endParaRPr lang="zh-CN" altLang="en-US"/>
           </a:p>
@@ -921,7 +921,7 @@
           <a:p>
             <a:fld id="{34C042E6-B216-4592-8AF3-2B42AC14DDDB}" type="datetimeFigureOut">
               <a:rPr lang="zh-CN" altLang="en-US" smtClean="0"/>
-              <a:t>2023/3/14</a:t>
+              <a:t>2023/4/1</a:t>
             </a:fld>
             <a:endParaRPr lang="zh-CN" altLang="en-US"/>
           </a:p>
@@ -1119,7 +1119,7 @@
           <a:p>
             <a:fld id="{34C042E6-B216-4592-8AF3-2B42AC14DDDB}" type="datetimeFigureOut">
               <a:rPr lang="zh-CN" altLang="en-US" smtClean="0"/>
-              <a:t>2023/3/14</a:t>
+              <a:t>2023/4/1</a:t>
             </a:fld>
             <a:endParaRPr lang="zh-CN" altLang="en-US"/>
           </a:p>
@@ -1327,7 +1327,7 @@
           <a:p>
             <a:fld id="{34C042E6-B216-4592-8AF3-2B42AC14DDDB}" type="datetimeFigureOut">
               <a:rPr lang="zh-CN" altLang="en-US" smtClean="0"/>
-              <a:t>2023/3/14</a:t>
+              <a:t>2023/4/1</a:t>
             </a:fld>
             <a:endParaRPr lang="zh-CN" altLang="en-US"/>
           </a:p>
@@ -3355,7 +3355,7 @@
           <a:p>
             <a:fld id="{34C042E6-B216-4592-8AF3-2B42AC14DDDB}" type="datetimeFigureOut">
               <a:rPr lang="zh-CN" altLang="en-US" smtClean="0"/>
-              <a:t>2023/3/14</a:t>
+              <a:t>2023/4/1</a:t>
             </a:fld>
             <a:endParaRPr lang="zh-CN" altLang="en-US"/>
           </a:p>
@@ -3630,7 +3630,7 @@
           <a:p>
             <a:fld id="{34C042E6-B216-4592-8AF3-2B42AC14DDDB}" type="datetimeFigureOut">
               <a:rPr lang="zh-CN" altLang="en-US" smtClean="0"/>
-              <a:t>2023/3/14</a:t>
+              <a:t>2023/4/1</a:t>
             </a:fld>
             <a:endParaRPr lang="zh-CN" altLang="en-US"/>
           </a:p>
@@ -3895,7 +3895,7 @@
           <a:p>
             <a:fld id="{34C042E6-B216-4592-8AF3-2B42AC14DDDB}" type="datetimeFigureOut">
               <a:rPr lang="zh-CN" altLang="en-US" smtClean="0"/>
-              <a:t>2023/3/14</a:t>
+              <a:t>2023/4/1</a:t>
             </a:fld>
             <a:endParaRPr lang="zh-CN" altLang="en-US"/>
           </a:p>
@@ -4307,7 +4307,7 @@
           <a:p>
             <a:fld id="{34C042E6-B216-4592-8AF3-2B42AC14DDDB}" type="datetimeFigureOut">
               <a:rPr lang="zh-CN" altLang="en-US" smtClean="0"/>
-              <a:t>2023/3/14</a:t>
+              <a:t>2023/4/1</a:t>
             </a:fld>
             <a:endParaRPr lang="zh-CN" altLang="en-US"/>
           </a:p>
@@ -4448,7 +4448,7 @@
           <a:p>
             <a:fld id="{34C042E6-B216-4592-8AF3-2B42AC14DDDB}" type="datetimeFigureOut">
               <a:rPr lang="zh-CN" altLang="en-US" smtClean="0"/>
-              <a:t>2023/3/14</a:t>
+              <a:t>2023/4/1</a:t>
             </a:fld>
             <a:endParaRPr lang="zh-CN" altLang="en-US"/>
           </a:p>
@@ -4561,7 +4561,7 @@
           <a:p>
             <a:fld id="{34C042E6-B216-4592-8AF3-2B42AC14DDDB}" type="datetimeFigureOut">
               <a:rPr lang="zh-CN" altLang="en-US" smtClean="0"/>
-              <a:t>2023/3/14</a:t>
+              <a:t>2023/4/1</a:t>
             </a:fld>
             <a:endParaRPr lang="zh-CN" altLang="en-US"/>
           </a:p>
@@ -4872,7 +4872,7 @@
           <a:p>
             <a:fld id="{34C042E6-B216-4592-8AF3-2B42AC14DDDB}" type="datetimeFigureOut">
               <a:rPr lang="zh-CN" altLang="en-US" smtClean="0"/>
-              <a:t>2023/3/14</a:t>
+              <a:t>2023/4/1</a:t>
             </a:fld>
             <a:endParaRPr lang="zh-CN" altLang="en-US"/>
           </a:p>
@@ -5160,7 +5160,7 @@
           <a:p>
             <a:fld id="{34C042E6-B216-4592-8AF3-2B42AC14DDDB}" type="datetimeFigureOut">
               <a:rPr lang="zh-CN" altLang="en-US" smtClean="0"/>
-              <a:t>2023/3/14</a:t>
+              <a:t>2023/4/1</a:t>
             </a:fld>
             <a:endParaRPr lang="zh-CN" altLang="en-US"/>
           </a:p>
@@ -5401,7 +5401,7 @@
           <a:p>
             <a:fld id="{34C042E6-B216-4592-8AF3-2B42AC14DDDB}" type="datetimeFigureOut">
               <a:rPr lang="zh-CN" altLang="en-US" smtClean="0"/>
-              <a:t>2023/3/14</a:t>
+              <a:t>2023/4/1</a:t>
             </a:fld>
             <a:endParaRPr lang="zh-CN" altLang="en-US"/>
           </a:p>
@@ -11101,7 +11101,7 @@
         </p:nvSpPr>
         <p:spPr>
           <a:xfrm>
-            <a:off x="9374126" y="912358"/>
+            <a:off x="6731885" y="2176000"/>
             <a:ext cx="719091" cy="719091"/>
           </a:xfrm>
           <a:prstGeom prst="ellipse">
@@ -11158,7 +11158,7 @@
         </p:nvSpPr>
         <p:spPr>
           <a:xfrm>
-            <a:off x="8541106" y="2948305"/>
+            <a:off x="8737600" y="1202670"/>
             <a:ext cx="719091" cy="719091"/>
           </a:xfrm>
           <a:prstGeom prst="ellipse">
@@ -11215,7 +11215,7 @@
         </p:nvSpPr>
         <p:spPr>
           <a:xfrm>
-            <a:off x="7722353" y="3898574"/>
+            <a:off x="7937640" y="2153739"/>
             <a:ext cx="719091" cy="719091"/>
           </a:xfrm>
           <a:prstGeom prst="ellipse">
@@ -11275,11 +11275,13 @@
         </p:nvCxnSpPr>
         <p:spPr>
           <a:xfrm rot="5400000">
-            <a:off x="8270378" y="3627846"/>
-            <a:ext cx="441794" cy="310278"/>
+            <a:off x="8475869" y="1892008"/>
+            <a:ext cx="442594" cy="291485"/>
           </a:xfrm>
           <a:prstGeom prst="curvedConnector3">
-            <a:avLst/>
+            <a:avLst>
+              <a:gd name="adj1" fmla="val 50000"/>
+            </a:avLst>
           </a:prstGeom>
           <a:ln>
             <a:tailEnd type="triangle"/>
@@ -11311,18 +11313,20 @@
           </p:cNvPr>
           <p:cNvCxnSpPr>
             <a:cxnSpLocks/>
-            <a:stCxn id="78" idx="2"/>
+            <a:stCxn id="78" idx="4"/>
             <a:endCxn id="88" idx="1"/>
           </p:cNvCxnSpPr>
           <p:nvPr/>
         </p:nvCxnSpPr>
         <p:spPr>
-          <a:xfrm rot="10800000" flipV="1">
-            <a:off x="6755532" y="1271903"/>
-            <a:ext cx="2618594" cy="3341323"/>
+          <a:xfrm rot="16200000" flipH="1">
+            <a:off x="7065449" y="2921073"/>
+            <a:ext cx="389699" cy="337734"/>
           </a:xfrm>
-          <a:prstGeom prst="curvedConnector2">
-            <a:avLst/>
+          <a:prstGeom prst="curvedConnector3">
+            <a:avLst>
+              <a:gd name="adj1" fmla="val 50000"/>
+            </a:avLst>
           </a:prstGeom>
           <a:ln>
             <a:tailEnd type="triangle"/>
@@ -11357,7 +11361,7 @@
         </p:nvSpPr>
         <p:spPr>
           <a:xfrm>
-            <a:off x="7608423" y="2872831"/>
+            <a:off x="7165696" y="1202671"/>
             <a:ext cx="719091" cy="719091"/>
           </a:xfrm>
           <a:prstGeom prst="ellipse">
@@ -11413,7 +11417,7 @@
         </p:nvSpPr>
         <p:spPr>
           <a:xfrm>
-            <a:off x="6650224" y="4507919"/>
+            <a:off x="7323857" y="3179482"/>
             <a:ext cx="719091" cy="719091"/>
           </a:xfrm>
           <a:prstGeom prst="ellipse">
@@ -11468,14 +11472,14 @@
           <p:cNvCxnSpPr>
             <a:cxnSpLocks/>
             <a:stCxn id="87" idx="4"/>
-            <a:endCxn id="84" idx="0"/>
+            <a:endCxn id="84" idx="1"/>
           </p:cNvCxnSpPr>
           <p:nvPr/>
         </p:nvCxnSpPr>
         <p:spPr>
           <a:xfrm rot="16200000" flipH="1">
-            <a:off x="7871608" y="3688283"/>
-            <a:ext cx="306652" cy="113930"/>
+            <a:off x="7615453" y="1831551"/>
+            <a:ext cx="337285" cy="517706"/>
           </a:xfrm>
           <a:prstGeom prst="curvedConnector3">
             <a:avLst>
@@ -11512,18 +11516,20 @@
           </p:cNvPr>
           <p:cNvCxnSpPr>
             <a:cxnSpLocks/>
-            <a:stCxn id="84" idx="2"/>
+            <a:stCxn id="84" idx="4"/>
             <a:endCxn id="88" idx="7"/>
           </p:cNvCxnSpPr>
           <p:nvPr/>
         </p:nvCxnSpPr>
         <p:spPr>
-          <a:xfrm rot="10800000" flipV="1">
-            <a:off x="7264007" y="4258119"/>
-            <a:ext cx="458346" cy="355107"/>
+          <a:xfrm rot="5400000">
+            <a:off x="7911433" y="2899037"/>
+            <a:ext cx="411960" cy="359546"/>
           </a:xfrm>
-          <a:prstGeom prst="curvedConnector2">
-            <a:avLst/>
+          <a:prstGeom prst="curvedConnector3">
+            <a:avLst>
+              <a:gd name="adj1" fmla="val 50000"/>
+            </a:avLst>
           </a:prstGeom>
           <a:ln>
             <a:tailEnd type="triangle"/>
@@ -11546,10 +11552,10 @@
       </p:cxnSp>
       <p:sp>
         <p:nvSpPr>
-          <p:cNvPr id="2" name="椭圆 1">
-            <a:extLst>
-              <a:ext uri="{FF2B5EF4-FFF2-40B4-BE49-F238E27FC236}">
-                <a16:creationId xmlns:a16="http://schemas.microsoft.com/office/drawing/2014/main" id="{2BFC3874-25FE-C5B3-D864-D23839B9342F}"/>
+          <p:cNvPr id="6" name="椭圆 5">
+            <a:extLst>
+              <a:ext uri="{FF2B5EF4-FFF2-40B4-BE49-F238E27FC236}">
+                <a16:creationId xmlns:a16="http://schemas.microsoft.com/office/drawing/2014/main" id="{4236BAF9-4035-7923-365D-5CA34B3D5139}"/>
               </a:ext>
             </a:extLst>
           </p:cNvPr>
@@ -11558,7 +11564,7 @@
         </p:nvSpPr>
         <p:spPr>
           <a:xfrm>
-            <a:off x="1643155" y="912357"/>
+            <a:off x="836282" y="2153740"/>
             <a:ext cx="719091" cy="719091"/>
           </a:xfrm>
           <a:prstGeom prst="ellipse">
@@ -11603,10 +11609,10 @@
       </p:sp>
       <p:sp>
         <p:nvSpPr>
-          <p:cNvPr id="3" name="椭圆 2">
-            <a:extLst>
-              <a:ext uri="{FF2B5EF4-FFF2-40B4-BE49-F238E27FC236}">
-                <a16:creationId xmlns:a16="http://schemas.microsoft.com/office/drawing/2014/main" id="{E4590C94-C7F6-1343-E9EC-B29CB87C7D9F}"/>
+          <p:cNvPr id="7" name="椭圆 6">
+            <a:extLst>
+              <a:ext uri="{FF2B5EF4-FFF2-40B4-BE49-F238E27FC236}">
+                <a16:creationId xmlns:a16="http://schemas.microsoft.com/office/drawing/2014/main" id="{2135F44B-1225-B9C4-F16F-E41A0C05E262}"/>
               </a:ext>
             </a:extLst>
           </p:cNvPr>
@@ -11615,7 +11621,7 @@
         </p:nvSpPr>
         <p:spPr>
           <a:xfrm>
-            <a:off x="1643155" y="2085691"/>
+            <a:off x="1981544" y="2153740"/>
             <a:ext cx="719091" cy="719091"/>
           </a:xfrm>
           <a:prstGeom prst="ellipse">
@@ -11652,60 +11658,18 @@
             <a:pPr algn="ctr"/>
             <a:r>
               <a:rPr lang="en-US" altLang="zh-CN" sz="1100" dirty="0"/>
-              <a:t>X^2</a:t>
+              <a:t>Y</a:t>
             </a:r>
             <a:endParaRPr lang="zh-CN" altLang="en-US" sz="1100" dirty="0"/>
           </a:p>
         </p:txBody>
       </p:sp>
-      <p:cxnSp>
-        <p:nvCxnSpPr>
-          <p:cNvPr id="5" name="连接符: 曲线 4">
-            <a:extLst>
-              <a:ext uri="{FF2B5EF4-FFF2-40B4-BE49-F238E27FC236}">
-                <a16:creationId xmlns:a16="http://schemas.microsoft.com/office/drawing/2014/main" id="{0BE9761D-EB65-160F-EBC6-AB3B3131A4BB}"/>
-              </a:ext>
-            </a:extLst>
-          </p:cNvPr>
-          <p:cNvCxnSpPr>
-            <a:stCxn id="2" idx="4"/>
-            <a:endCxn id="3" idx="0"/>
-          </p:cNvCxnSpPr>
-          <p:nvPr/>
-        </p:nvCxnSpPr>
-        <p:spPr>
-          <a:xfrm rot="5400000">
-            <a:off x="1775580" y="1858569"/>
-            <a:ext cx="454243" cy="12700"/>
-          </a:xfrm>
-          <a:prstGeom prst="curvedConnector3">
-            <a:avLst/>
-          </a:prstGeom>
-          <a:ln>
-            <a:tailEnd type="triangle"/>
-          </a:ln>
-        </p:spPr>
-        <p:style>
-          <a:lnRef idx="1">
-            <a:schemeClr val="accent1"/>
-          </a:lnRef>
-          <a:fillRef idx="0">
-            <a:schemeClr val="accent1"/>
-          </a:fillRef>
-          <a:effectRef idx="0">
-            <a:schemeClr val="accent1"/>
-          </a:effectRef>
-          <a:fontRef idx="minor">
-            <a:schemeClr val="tx1"/>
-          </a:fontRef>
-        </p:style>
-      </p:cxnSp>
-      <p:sp>
-        <p:nvSpPr>
-          <p:cNvPr id="10" name="椭圆 9">
-            <a:extLst>
-              <a:ext uri="{FF2B5EF4-FFF2-40B4-BE49-F238E27FC236}">
-                <a16:creationId xmlns:a16="http://schemas.microsoft.com/office/drawing/2014/main" id="{D1B2C9B7-2DAF-8CDD-9E10-5077AB4B4291}"/>
+      <p:sp>
+        <p:nvSpPr>
+          <p:cNvPr id="8" name="椭圆 7">
+            <a:extLst>
+              <a:ext uri="{FF2B5EF4-FFF2-40B4-BE49-F238E27FC236}">
+                <a16:creationId xmlns:a16="http://schemas.microsoft.com/office/drawing/2014/main" id="{19C65E0F-8A1D-DF4F-A3A3-7425540BC306}"/>
               </a:ext>
             </a:extLst>
           </p:cNvPr>
@@ -11714,7 +11678,7 @@
         </p:nvSpPr>
         <p:spPr>
           <a:xfrm>
-            <a:off x="4803980" y="912357"/>
+            <a:off x="1413620" y="3179483"/>
             <a:ext cx="719091" cy="719091"/>
           </a:xfrm>
           <a:prstGeom prst="ellipse">
@@ -11744,25 +11708,115 @@
             <a:pPr algn="ctr"/>
             <a:r>
               <a:rPr lang="en-US" altLang="zh-CN" sz="1100" dirty="0"/>
-              <a:t>NUL</a:t>
+              <a:t>MUL</a:t>
             </a:r>
           </a:p>
           <a:p>
             <a:pPr algn="ctr"/>
             <a:r>
               <a:rPr lang="en-US" altLang="zh-CN" sz="1100" dirty="0"/>
-              <a:t>X</a:t>
+              <a:t>Z</a:t>
             </a:r>
             <a:endParaRPr lang="zh-CN" altLang="en-US" sz="1100" dirty="0"/>
           </a:p>
         </p:txBody>
       </p:sp>
-      <p:sp>
-        <p:nvSpPr>
-          <p:cNvPr id="11" name="椭圆 10">
-            <a:extLst>
-              <a:ext uri="{FF2B5EF4-FFF2-40B4-BE49-F238E27FC236}">
-                <a16:creationId xmlns:a16="http://schemas.microsoft.com/office/drawing/2014/main" id="{00CC65B1-F29E-5A46-CAFF-F27993EBC538}"/>
+      <p:cxnSp>
+        <p:nvCxnSpPr>
+          <p:cNvPr id="9" name="连接符: 曲线 8">
+            <a:extLst>
+              <a:ext uri="{FF2B5EF4-FFF2-40B4-BE49-F238E27FC236}">
+                <a16:creationId xmlns:a16="http://schemas.microsoft.com/office/drawing/2014/main" id="{6F816230-6E46-002C-849E-CCA401168AE8}"/>
+              </a:ext>
+            </a:extLst>
+          </p:cNvPr>
+          <p:cNvCxnSpPr>
+            <a:cxnSpLocks/>
+            <a:stCxn id="7" idx="4"/>
+            <a:endCxn id="8" idx="7"/>
+          </p:cNvCxnSpPr>
+          <p:nvPr/>
+        </p:nvCxnSpPr>
+        <p:spPr>
+          <a:xfrm rot="5400000">
+            <a:off x="1978267" y="2921968"/>
+            <a:ext cx="411960" cy="313687"/>
+          </a:xfrm>
+          <a:prstGeom prst="curvedConnector3">
+            <a:avLst>
+              <a:gd name="adj1" fmla="val 50000"/>
+            </a:avLst>
+          </a:prstGeom>
+          <a:ln>
+            <a:tailEnd type="triangle"/>
+          </a:ln>
+        </p:spPr>
+        <p:style>
+          <a:lnRef idx="1">
+            <a:schemeClr val="accent1"/>
+          </a:lnRef>
+          <a:fillRef idx="0">
+            <a:schemeClr val="accent1"/>
+          </a:fillRef>
+          <a:effectRef idx="0">
+            <a:schemeClr val="accent1"/>
+          </a:effectRef>
+          <a:fontRef idx="minor">
+            <a:schemeClr val="tx1"/>
+          </a:fontRef>
+        </p:style>
+      </p:cxnSp>
+      <p:cxnSp>
+        <p:nvCxnSpPr>
+          <p:cNvPr id="15" name="连接符: 曲线 14">
+            <a:extLst>
+              <a:ext uri="{FF2B5EF4-FFF2-40B4-BE49-F238E27FC236}">
+                <a16:creationId xmlns:a16="http://schemas.microsoft.com/office/drawing/2014/main" id="{263593E9-BD1B-133F-9128-5A3168CBF9A4}"/>
+              </a:ext>
+            </a:extLst>
+          </p:cNvPr>
+          <p:cNvCxnSpPr>
+            <a:cxnSpLocks/>
+            <a:stCxn id="6" idx="4"/>
+            <a:endCxn id="8" idx="1"/>
+          </p:cNvCxnSpPr>
+          <p:nvPr/>
+        </p:nvCxnSpPr>
+        <p:spPr>
+          <a:xfrm rot="16200000" flipH="1">
+            <a:off x="1151398" y="2917261"/>
+            <a:ext cx="411960" cy="323100"/>
+          </a:xfrm>
+          <a:prstGeom prst="curvedConnector3">
+            <a:avLst>
+              <a:gd name="adj1" fmla="val 50000"/>
+            </a:avLst>
+          </a:prstGeom>
+          <a:ln>
+            <a:tailEnd type="triangle"/>
+          </a:ln>
+        </p:spPr>
+        <p:style>
+          <a:lnRef idx="1">
+            <a:schemeClr val="accent1"/>
+          </a:lnRef>
+          <a:fillRef idx="0">
+            <a:schemeClr val="accent1"/>
+          </a:fillRef>
+          <a:effectRef idx="0">
+            <a:schemeClr val="accent1"/>
+          </a:effectRef>
+          <a:fontRef idx="minor">
+            <a:schemeClr val="tx1"/>
+          </a:fontRef>
+        </p:style>
+      </p:cxnSp>
+      <p:sp>
+        <p:nvSpPr>
+          <p:cNvPr id="23" name="椭圆 22">
+            <a:extLst>
+              <a:ext uri="{FF2B5EF4-FFF2-40B4-BE49-F238E27FC236}">
+                <a16:creationId xmlns:a16="http://schemas.microsoft.com/office/drawing/2014/main" id="{53E69B2E-9C45-FF46-9D8C-FEA1B0FA44F9}"/>
               </a:ext>
             </a:extLst>
           </p:cNvPr>
@@ -11771,7 +11825,7 @@
         </p:nvSpPr>
         <p:spPr>
           <a:xfrm>
-            <a:off x="4803980" y="2085691"/>
+            <a:off x="3531524" y="2153739"/>
             <a:ext cx="719091" cy="719091"/>
           </a:xfrm>
           <a:prstGeom prst="ellipse">
@@ -11800,15 +11854,15 @@
           <a:p>
             <a:pPr algn="ctr"/>
             <a:r>
+              <a:rPr lang="en-US" altLang="zh-CN" sz="900" dirty="0"/>
+              <a:t>~ONE</a:t>
+            </a:r>
+          </a:p>
+          <a:p>
+            <a:pPr algn="ctr"/>
+            <a:r>
               <a:rPr lang="en-US" altLang="zh-CN" sz="1100" dirty="0"/>
-              <a:t>MUL</a:t>
-            </a:r>
-          </a:p>
-          <a:p>
-            <a:pPr algn="ctr"/>
-            <a:r>
-              <a:rPr lang="en-US" altLang="zh-CN" sz="1100" dirty="0"/>
-              <a:t>X^2</a:t>
+              <a:t>5</a:t>
             </a:r>
             <a:endParaRPr lang="zh-CN" altLang="en-US" sz="1100" dirty="0"/>
           </a:p>
@@ -11816,10 +11870,10 @@
       </p:sp>
       <p:sp>
         <p:nvSpPr>
-          <p:cNvPr id="12" name="椭圆 11">
-            <a:extLst>
-              <a:ext uri="{FF2B5EF4-FFF2-40B4-BE49-F238E27FC236}">
-                <a16:creationId xmlns:a16="http://schemas.microsoft.com/office/drawing/2014/main" id="{1DC36878-EA35-A243-F7BF-889E9AE99579}"/>
+          <p:cNvPr id="24" name="椭圆 23">
+            <a:extLst>
+              <a:ext uri="{FF2B5EF4-FFF2-40B4-BE49-F238E27FC236}">
+                <a16:creationId xmlns:a16="http://schemas.microsoft.com/office/drawing/2014/main" id="{3706FCBA-F96E-CE90-66CE-9DB25F2F085B}"/>
               </a:ext>
             </a:extLst>
           </p:cNvPr>
@@ -11828,7 +11882,7 @@
         </p:nvSpPr>
         <p:spPr>
           <a:xfrm>
-            <a:off x="3970960" y="2948304"/>
+            <a:off x="4676786" y="2153739"/>
             <a:ext cx="719091" cy="719091"/>
           </a:xfrm>
           <a:prstGeom prst="ellipse">
@@ -11865,7 +11919,64 @@
             <a:pPr algn="ctr"/>
             <a:r>
               <a:rPr lang="en-US" altLang="zh-CN" sz="1100" dirty="0"/>
-              <a:t>X^3</a:t>
+              <a:t>_</a:t>
+            </a:r>
+            <a:endParaRPr lang="zh-CN" altLang="en-US" sz="1100" dirty="0"/>
+          </a:p>
+        </p:txBody>
+      </p:sp>
+      <p:sp>
+        <p:nvSpPr>
+          <p:cNvPr id="25" name="椭圆 24">
+            <a:extLst>
+              <a:ext uri="{FF2B5EF4-FFF2-40B4-BE49-F238E27FC236}">
+                <a16:creationId xmlns:a16="http://schemas.microsoft.com/office/drawing/2014/main" id="{0AEC95F4-1AA1-50EA-5F4E-67F4D044611E}"/>
+              </a:ext>
+            </a:extLst>
+          </p:cNvPr>
+          <p:cNvSpPr/>
+          <p:nvPr/>
+        </p:nvSpPr>
+        <p:spPr>
+          <a:xfrm>
+            <a:off x="4108862" y="3179482"/>
+            <a:ext cx="719091" cy="719091"/>
+          </a:xfrm>
+          <a:prstGeom prst="ellipse">
+            <a:avLst/>
+          </a:prstGeom>
+        </p:spPr>
+        <p:style>
+          <a:lnRef idx="2">
+            <a:schemeClr val="accent1">
+              <a:shade val="50000"/>
+            </a:schemeClr>
+          </a:lnRef>
+          <a:fillRef idx="1">
+            <a:schemeClr val="accent1"/>
+          </a:fillRef>
+          <a:effectRef idx="0">
+            <a:schemeClr val="accent1"/>
+          </a:effectRef>
+          <a:fontRef idx="minor">
+            <a:schemeClr val="lt1"/>
+          </a:fontRef>
+        </p:style>
+        <p:txBody>
+          <a:bodyPr rtlCol="0" anchor="ctr"/>
+          <a:lstStyle/>
+          <a:p>
+            <a:pPr algn="ctr"/>
+            <a:r>
+              <a:rPr lang="en-US" altLang="zh-CN" sz="1100" dirty="0"/>
+              <a:t>MUL</a:t>
+            </a:r>
+          </a:p>
+          <a:p>
+            <a:pPr algn="ctr"/>
+            <a:r>
+              <a:rPr lang="en-US" altLang="zh-CN" sz="1100" dirty="0"/>
+              <a:t>Z</a:t>
             </a:r>
             <a:endParaRPr lang="zh-CN" altLang="en-US" sz="1100" dirty="0"/>
           </a:p>
@@ -11873,66 +11984,24 @@
       </p:sp>
       <p:cxnSp>
         <p:nvCxnSpPr>
-          <p:cNvPr id="13" name="连接符: 曲线 12">
-            <a:extLst>
-              <a:ext uri="{FF2B5EF4-FFF2-40B4-BE49-F238E27FC236}">
-                <a16:creationId xmlns:a16="http://schemas.microsoft.com/office/drawing/2014/main" id="{6667C2A2-52EE-8717-3AF5-A635A0EF8BBD}"/>
+          <p:cNvPr id="26" name="连接符: 曲线 25">
+            <a:extLst>
+              <a:ext uri="{FF2B5EF4-FFF2-40B4-BE49-F238E27FC236}">
+                <a16:creationId xmlns:a16="http://schemas.microsoft.com/office/drawing/2014/main" id="{087914FB-C523-ADF1-CF1F-196D5BD96089}"/>
               </a:ext>
             </a:extLst>
           </p:cNvPr>
           <p:cNvCxnSpPr>
-            <a:stCxn id="11" idx="4"/>
-            <a:endCxn id="12" idx="6"/>
+            <a:cxnSpLocks/>
+            <a:stCxn id="24" idx="4"/>
+            <a:endCxn id="25" idx="7"/>
           </p:cNvCxnSpPr>
           <p:nvPr/>
         </p:nvCxnSpPr>
         <p:spPr>
           <a:xfrm rot="5400000">
-            <a:off x="4675255" y="2819579"/>
-            <a:ext cx="503068" cy="473475"/>
-          </a:xfrm>
-          <a:prstGeom prst="curvedConnector2">
-            <a:avLst/>
-          </a:prstGeom>
-          <a:ln>
-            <a:tailEnd type="triangle"/>
-          </a:ln>
-        </p:spPr>
-        <p:style>
-          <a:lnRef idx="1">
-            <a:schemeClr val="accent1"/>
-          </a:lnRef>
-          <a:fillRef idx="0">
-            <a:schemeClr val="accent1"/>
-          </a:fillRef>
-          <a:effectRef idx="0">
-            <a:schemeClr val="accent1"/>
-          </a:effectRef>
-          <a:fontRef idx="minor">
-            <a:schemeClr val="tx1"/>
-          </a:fontRef>
-        </p:style>
-      </p:cxnSp>
-      <p:cxnSp>
-        <p:nvCxnSpPr>
-          <p:cNvPr id="14" name="连接符: 曲线 13">
-            <a:extLst>
-              <a:ext uri="{FF2B5EF4-FFF2-40B4-BE49-F238E27FC236}">
-                <a16:creationId xmlns:a16="http://schemas.microsoft.com/office/drawing/2014/main" id="{7B3DA191-5BBC-F60E-B73B-D7D92CFFE9CB}"/>
-              </a:ext>
-            </a:extLst>
-          </p:cNvPr>
-          <p:cNvCxnSpPr>
-            <a:cxnSpLocks/>
-            <a:stCxn id="10" idx="3"/>
-            <a:endCxn id="12" idx="0"/>
-          </p:cNvCxnSpPr>
-          <p:nvPr/>
-        </p:nvCxnSpPr>
-        <p:spPr>
-          <a:xfrm rot="5400000">
-            <a:off x="3908815" y="1947831"/>
-            <a:ext cx="1422164" cy="578782"/>
+            <a:off x="4673509" y="2921967"/>
+            <a:ext cx="411960" cy="313687"/>
           </a:xfrm>
           <a:prstGeom prst="curvedConnector3">
             <a:avLst>
@@ -11958,6 +12027,363 @@
           </a:fontRef>
         </p:style>
       </p:cxnSp>
+      <p:cxnSp>
+        <p:nvCxnSpPr>
+          <p:cNvPr id="27" name="连接符: 曲线 26">
+            <a:extLst>
+              <a:ext uri="{FF2B5EF4-FFF2-40B4-BE49-F238E27FC236}">
+                <a16:creationId xmlns:a16="http://schemas.microsoft.com/office/drawing/2014/main" id="{FEC5F0DD-A1EF-A546-3692-E7E91E5D37D9}"/>
+              </a:ext>
+            </a:extLst>
+          </p:cNvPr>
+          <p:cNvCxnSpPr>
+            <a:cxnSpLocks/>
+            <a:stCxn id="23" idx="4"/>
+            <a:endCxn id="25" idx="1"/>
+          </p:cNvCxnSpPr>
+          <p:nvPr/>
+        </p:nvCxnSpPr>
+        <p:spPr>
+          <a:xfrm rot="16200000" flipH="1">
+            <a:off x="3846640" y="2917260"/>
+            <a:ext cx="411960" cy="323100"/>
+          </a:xfrm>
+          <a:prstGeom prst="curvedConnector3">
+            <a:avLst>
+              <a:gd name="adj1" fmla="val 50000"/>
+            </a:avLst>
+          </a:prstGeom>
+          <a:ln>
+            <a:tailEnd type="triangle"/>
+          </a:ln>
+        </p:spPr>
+        <p:style>
+          <a:lnRef idx="1">
+            <a:schemeClr val="accent1"/>
+          </a:lnRef>
+          <a:fillRef idx="0">
+            <a:schemeClr val="accent1"/>
+          </a:fillRef>
+          <a:effectRef idx="0">
+            <a:schemeClr val="accent1"/>
+          </a:effectRef>
+          <a:fontRef idx="minor">
+            <a:schemeClr val="tx1"/>
+          </a:fontRef>
+        </p:style>
+      </p:cxnSp>
+      <p:sp>
+        <p:nvSpPr>
+          <p:cNvPr id="29" name="椭圆 28">
+            <a:extLst>
+              <a:ext uri="{FF2B5EF4-FFF2-40B4-BE49-F238E27FC236}">
+                <a16:creationId xmlns:a16="http://schemas.microsoft.com/office/drawing/2014/main" id="{400E9DE1-4E77-B86A-34F2-1DDEBC76A324}"/>
+              </a:ext>
+            </a:extLst>
+          </p:cNvPr>
+          <p:cNvSpPr/>
+          <p:nvPr/>
+        </p:nvSpPr>
+        <p:spPr>
+          <a:xfrm>
+            <a:off x="4032160" y="1127995"/>
+            <a:ext cx="719091" cy="719091"/>
+          </a:xfrm>
+          <a:prstGeom prst="ellipse">
+            <a:avLst/>
+          </a:prstGeom>
+        </p:spPr>
+        <p:style>
+          <a:lnRef idx="2">
+            <a:schemeClr val="accent1">
+              <a:shade val="50000"/>
+            </a:schemeClr>
+          </a:lnRef>
+          <a:fillRef idx="1">
+            <a:schemeClr val="accent1"/>
+          </a:fillRef>
+          <a:effectRef idx="0">
+            <a:schemeClr val="accent1"/>
+          </a:effectRef>
+          <a:fontRef idx="minor">
+            <a:schemeClr val="lt1"/>
+          </a:fontRef>
+        </p:style>
+        <p:txBody>
+          <a:bodyPr rtlCol="0" anchor="ctr"/>
+          <a:lstStyle/>
+          <a:p>
+            <a:pPr algn="ctr"/>
+            <a:r>
+              <a:rPr lang="en-US" altLang="zh-CN" sz="1100" dirty="0"/>
+              <a:t>NUL</a:t>
+            </a:r>
+          </a:p>
+          <a:p>
+            <a:pPr algn="ctr"/>
+            <a:r>
+              <a:rPr lang="en-US" altLang="zh-CN" sz="1100" dirty="0"/>
+              <a:t>X</a:t>
+            </a:r>
+            <a:endParaRPr lang="zh-CN" altLang="en-US" sz="1100" dirty="0"/>
+          </a:p>
+        </p:txBody>
+      </p:sp>
+      <p:sp>
+        <p:nvSpPr>
+          <p:cNvPr id="30" name="椭圆 29">
+            <a:extLst>
+              <a:ext uri="{FF2B5EF4-FFF2-40B4-BE49-F238E27FC236}">
+                <a16:creationId xmlns:a16="http://schemas.microsoft.com/office/drawing/2014/main" id="{3738F620-1C62-8E7E-48A2-40020F2D7765}"/>
+              </a:ext>
+            </a:extLst>
+          </p:cNvPr>
+          <p:cNvSpPr/>
+          <p:nvPr/>
+        </p:nvSpPr>
+        <p:spPr>
+          <a:xfrm>
+            <a:off x="5317350" y="1127996"/>
+            <a:ext cx="719091" cy="719091"/>
+          </a:xfrm>
+          <a:prstGeom prst="ellipse">
+            <a:avLst/>
+          </a:prstGeom>
+        </p:spPr>
+        <p:style>
+          <a:lnRef idx="2">
+            <a:schemeClr val="accent1">
+              <a:shade val="50000"/>
+            </a:schemeClr>
+          </a:lnRef>
+          <a:fillRef idx="1">
+            <a:schemeClr val="accent1"/>
+          </a:fillRef>
+          <a:effectRef idx="0">
+            <a:schemeClr val="accent1"/>
+          </a:effectRef>
+          <a:fontRef idx="minor">
+            <a:schemeClr val="lt1"/>
+          </a:fontRef>
+        </p:style>
+        <p:txBody>
+          <a:bodyPr rtlCol="0" anchor="ctr"/>
+          <a:lstStyle/>
+          <a:p>
+            <a:pPr algn="ctr"/>
+            <a:r>
+              <a:rPr lang="en-US" altLang="zh-CN" sz="1100" dirty="0"/>
+              <a:t>MUL</a:t>
+            </a:r>
+          </a:p>
+          <a:p>
+            <a:pPr algn="ctr"/>
+            <a:r>
+              <a:rPr lang="en-US" altLang="zh-CN" sz="1100" dirty="0"/>
+              <a:t>7</a:t>
+            </a:r>
+            <a:endParaRPr lang="zh-CN" altLang="en-US" sz="1100" dirty="0"/>
+          </a:p>
+        </p:txBody>
+      </p:sp>
+      <p:cxnSp>
+        <p:nvCxnSpPr>
+          <p:cNvPr id="64" name="连接符: 曲线 63">
+            <a:extLst>
+              <a:ext uri="{FF2B5EF4-FFF2-40B4-BE49-F238E27FC236}">
+                <a16:creationId xmlns:a16="http://schemas.microsoft.com/office/drawing/2014/main" id="{A546313C-859A-8CDF-65E5-338A07270E65}"/>
+              </a:ext>
+            </a:extLst>
+          </p:cNvPr>
+          <p:cNvCxnSpPr>
+            <a:cxnSpLocks/>
+            <a:stCxn id="30" idx="4"/>
+            <a:endCxn id="24" idx="7"/>
+          </p:cNvCxnSpPr>
+          <p:nvPr/>
+        </p:nvCxnSpPr>
+        <p:spPr>
+          <a:xfrm rot="5400000">
+            <a:off x="5277753" y="1859904"/>
+            <a:ext cx="411960" cy="386327"/>
+          </a:xfrm>
+          <a:prstGeom prst="curvedConnector3">
+            <a:avLst>
+              <a:gd name="adj1" fmla="val 50000"/>
+            </a:avLst>
+          </a:prstGeom>
+          <a:ln>
+            <a:tailEnd type="triangle"/>
+          </a:ln>
+        </p:spPr>
+        <p:style>
+          <a:lnRef idx="1">
+            <a:schemeClr val="accent1"/>
+          </a:lnRef>
+          <a:fillRef idx="0">
+            <a:schemeClr val="accent1"/>
+          </a:fillRef>
+          <a:effectRef idx="0">
+            <a:schemeClr val="accent1"/>
+          </a:effectRef>
+          <a:fontRef idx="minor">
+            <a:schemeClr val="tx1"/>
+          </a:fontRef>
+        </p:style>
+      </p:cxnSp>
+      <p:cxnSp>
+        <p:nvCxnSpPr>
+          <p:cNvPr id="65" name="连接符: 曲线 64">
+            <a:extLst>
+              <a:ext uri="{FF2B5EF4-FFF2-40B4-BE49-F238E27FC236}">
+                <a16:creationId xmlns:a16="http://schemas.microsoft.com/office/drawing/2014/main" id="{982ED8C4-75EA-C28F-D036-621C0F32EFFD}"/>
+              </a:ext>
+            </a:extLst>
+          </p:cNvPr>
+          <p:cNvCxnSpPr>
+            <a:cxnSpLocks/>
+            <a:stCxn id="29" idx="4"/>
+            <a:endCxn id="24" idx="1"/>
+          </p:cNvCxnSpPr>
+          <p:nvPr/>
+        </p:nvCxnSpPr>
+        <p:spPr>
+          <a:xfrm rot="16200000" flipH="1">
+            <a:off x="4380920" y="1857872"/>
+            <a:ext cx="411961" cy="390388"/>
+          </a:xfrm>
+          <a:prstGeom prst="curvedConnector3">
+            <a:avLst>
+              <a:gd name="adj1" fmla="val 50000"/>
+            </a:avLst>
+          </a:prstGeom>
+          <a:ln>
+            <a:tailEnd type="triangle"/>
+          </a:ln>
+        </p:spPr>
+        <p:style>
+          <a:lnRef idx="1">
+            <a:schemeClr val="accent1"/>
+          </a:lnRef>
+          <a:fillRef idx="0">
+            <a:schemeClr val="accent1"/>
+          </a:fillRef>
+          <a:effectRef idx="0">
+            <a:schemeClr val="accent1"/>
+          </a:effectRef>
+          <a:fontRef idx="minor">
+            <a:schemeClr val="tx1"/>
+          </a:fontRef>
+        </p:style>
+      </p:cxnSp>
+      <p:sp>
+        <p:nvSpPr>
+          <p:cNvPr id="100" name="文本框 99">
+            <a:extLst>
+              <a:ext uri="{FF2B5EF4-FFF2-40B4-BE49-F238E27FC236}">
+                <a16:creationId xmlns:a16="http://schemas.microsoft.com/office/drawing/2014/main" id="{51183F6F-716A-B5F2-1391-5D4DE34B82D3}"/>
+              </a:ext>
+            </a:extLst>
+          </p:cNvPr>
+          <p:cNvSpPr txBox="1"/>
+          <p:nvPr/>
+        </p:nvSpPr>
+        <p:spPr>
+          <a:xfrm>
+            <a:off x="1195827" y="4149170"/>
+            <a:ext cx="1305018" cy="369332"/>
+          </a:xfrm>
+          <a:prstGeom prst="rect">
+            <a:avLst/>
+          </a:prstGeom>
+          <a:noFill/>
+        </p:spPr>
+        <p:txBody>
+          <a:bodyPr wrap="square" rtlCol="0">
+            <a:spAutoFit/>
+          </a:bodyPr>
+          <a:lstStyle/>
+          <a:p>
+            <a:r>
+              <a:rPr lang="en-US" altLang="zh-CN" dirty="0"/>
+              <a:t>Quadratic</a:t>
+            </a:r>
+            <a:endParaRPr lang="zh-CN" altLang="en-US" dirty="0"/>
+          </a:p>
+        </p:txBody>
+      </p:sp>
+      <p:sp>
+        <p:nvSpPr>
+          <p:cNvPr id="106" name="文本框 105">
+            <a:extLst>
+              <a:ext uri="{FF2B5EF4-FFF2-40B4-BE49-F238E27FC236}">
+                <a16:creationId xmlns:a16="http://schemas.microsoft.com/office/drawing/2014/main" id="{77A96AEF-89BC-91ED-2DED-95551977A79E}"/>
+              </a:ext>
+            </a:extLst>
+          </p:cNvPr>
+          <p:cNvSpPr txBox="1"/>
+          <p:nvPr/>
+        </p:nvSpPr>
+        <p:spPr>
+          <a:xfrm>
+            <a:off x="3835145" y="4132948"/>
+            <a:ext cx="1305018" cy="369332"/>
+          </a:xfrm>
+          <a:prstGeom prst="rect">
+            <a:avLst/>
+          </a:prstGeom>
+          <a:noFill/>
+        </p:spPr>
+        <p:txBody>
+          <a:bodyPr wrap="square" rtlCol="0">
+            <a:spAutoFit/>
+          </a:bodyPr>
+          <a:lstStyle/>
+          <a:p>
+            <a:r>
+              <a:rPr lang="en-US" altLang="zh-CN" dirty="0" err="1"/>
+              <a:t>MullLinear</a:t>
+            </a:r>
+            <a:endParaRPr lang="zh-CN" altLang="en-US" dirty="0"/>
+          </a:p>
+        </p:txBody>
+      </p:sp>
+      <p:sp>
+        <p:nvSpPr>
+          <p:cNvPr id="107" name="文本框 106">
+            <a:extLst>
+              <a:ext uri="{FF2B5EF4-FFF2-40B4-BE49-F238E27FC236}">
+                <a16:creationId xmlns:a16="http://schemas.microsoft.com/office/drawing/2014/main" id="{B7B4F135-76D1-2490-1B9C-0315861AB934}"/>
+              </a:ext>
+            </a:extLst>
+          </p:cNvPr>
+          <p:cNvSpPr txBox="1"/>
+          <p:nvPr/>
+        </p:nvSpPr>
+        <p:spPr>
+          <a:xfrm>
+            <a:off x="7052483" y="4130550"/>
+            <a:ext cx="1305018" cy="369332"/>
+          </a:xfrm>
+          <a:prstGeom prst="rect">
+            <a:avLst/>
+          </a:prstGeom>
+          <a:noFill/>
+        </p:spPr>
+        <p:txBody>
+          <a:bodyPr wrap="square" rtlCol="0">
+            <a:spAutoFit/>
+          </a:bodyPr>
+          <a:lstStyle/>
+          <a:p>
+            <a:r>
+              <a:rPr lang="en-US" altLang="zh-CN" dirty="0" err="1"/>
+              <a:t>AddLinear</a:t>
+            </a:r>
+            <a:endParaRPr lang="zh-CN" altLang="en-US" dirty="0"/>
+          </a:p>
+        </p:txBody>
+      </p:sp>
     </p:spTree>
     <p:extLst>
       <p:ext uri="{BB962C8B-B14F-4D97-AF65-F5344CB8AC3E}">
